--- a/ppt/【代码】_0_gcc_gdb_makefile.pptx
+++ b/ppt/【代码】_0_gcc_gdb_makefile.pptx
@@ -5,30 +5,31 @@
     <p:sldMasterId id="2147483648" r:id="rId1"/>
   </p:sldMasterIdLst>
   <p:notesMasterIdLst>
-    <p:notesMasterId r:id="rId20"/>
+    <p:notesMasterId r:id="rId21"/>
   </p:notesMasterIdLst>
   <p:handoutMasterIdLst>
-    <p:handoutMasterId r:id="rId21"/>
+    <p:handoutMasterId r:id="rId22"/>
   </p:handoutMasterIdLst>
   <p:sldIdLst>
     <p:sldId id="256" r:id="rId2"/>
-    <p:sldId id="257" r:id="rId3"/>
-    <p:sldId id="258" r:id="rId4"/>
-    <p:sldId id="259" r:id="rId5"/>
-    <p:sldId id="260" r:id="rId6"/>
-    <p:sldId id="262" r:id="rId7"/>
-    <p:sldId id="263" r:id="rId8"/>
-    <p:sldId id="261" r:id="rId9"/>
-    <p:sldId id="264" r:id="rId10"/>
-    <p:sldId id="265" r:id="rId11"/>
-    <p:sldId id="266" r:id="rId12"/>
-    <p:sldId id="267" r:id="rId13"/>
-    <p:sldId id="268" r:id="rId14"/>
-    <p:sldId id="269" r:id="rId15"/>
-    <p:sldId id="270" r:id="rId16"/>
-    <p:sldId id="271" r:id="rId17"/>
-    <p:sldId id="272" r:id="rId18"/>
-    <p:sldId id="273" r:id="rId19"/>
+    <p:sldId id="274" r:id="rId3"/>
+    <p:sldId id="257" r:id="rId4"/>
+    <p:sldId id="258" r:id="rId5"/>
+    <p:sldId id="259" r:id="rId6"/>
+    <p:sldId id="260" r:id="rId7"/>
+    <p:sldId id="262" r:id="rId8"/>
+    <p:sldId id="263" r:id="rId9"/>
+    <p:sldId id="261" r:id="rId10"/>
+    <p:sldId id="264" r:id="rId11"/>
+    <p:sldId id="265" r:id="rId12"/>
+    <p:sldId id="266" r:id="rId13"/>
+    <p:sldId id="267" r:id="rId14"/>
+    <p:sldId id="268" r:id="rId15"/>
+    <p:sldId id="269" r:id="rId16"/>
+    <p:sldId id="270" r:id="rId17"/>
+    <p:sldId id="271" r:id="rId18"/>
+    <p:sldId id="272" r:id="rId19"/>
+    <p:sldId id="273" r:id="rId20"/>
   </p:sldIdLst>
   <p:sldSz cx="12192000" cy="6858000"/>
   <p:notesSz cx="6858000" cy="9144000"/>
@@ -232,7 +233,7 @@
           <a:p>
             <a:fld id="{25239B2F-0F50-4DD2-AFF0-5AD65435FA39}" type="datetimeFigureOut">
               <a:rPr lang="zh-CN" altLang="en-US" smtClean="0"/>
-              <a:t>2023/02/22</a:t>
+              <a:t>2025/4/8</a:t>
             </a:fld>
             <a:endParaRPr lang="zh-CN" altLang="en-US"/>
           </a:p>
@@ -410,7 +411,7 @@
           <a:p>
             <a:fld id="{F3F10C42-C15F-4A21-90B7-1EA21CFD4452}" type="datetimeFigureOut">
               <a:rPr lang="zh-CN" altLang="en-US" smtClean="0"/>
-              <a:t>2023/02/22</a:t>
+              <a:t>2025/4/8</a:t>
             </a:fld>
             <a:endParaRPr lang="zh-CN" altLang="en-US"/>
           </a:p>
@@ -1009,7 +1010,7 @@
           <a:p>
             <a:fld id="{AE214366-5FB2-49C3-BB65-B979D2FAD098}" type="datetime1">
               <a:rPr lang="zh-CN" altLang="en-US" smtClean="0"/>
-              <a:t>2023/02/22</a:t>
+              <a:t>2025/4/8</a:t>
             </a:fld>
             <a:endParaRPr lang="zh-CN" altLang="en-US"/>
           </a:p>
@@ -1217,7 +1218,7 @@
           <a:p>
             <a:fld id="{04BC6C44-F673-46E9-8025-7385D4D32FDE}" type="datetime1">
               <a:rPr lang="zh-CN" altLang="en-US" smtClean="0"/>
-              <a:t>2023/02/22</a:t>
+              <a:t>2025/4/8</a:t>
             </a:fld>
             <a:endParaRPr lang="zh-CN" altLang="en-US"/>
           </a:p>
@@ -1761,7 +1762,7 @@
           <a:p>
             <a:fld id="{2B70573D-5408-47A7-B81F-E30CA5085A27}" type="datetime1">
               <a:rPr lang="zh-CN" altLang="en-US" smtClean="0"/>
-              <a:t>2023/02/22</a:t>
+              <a:t>2025/4/8</a:t>
             </a:fld>
             <a:endParaRPr lang="zh-CN" altLang="en-US"/>
           </a:p>
@@ -2026,7 +2027,7 @@
           <a:p>
             <a:fld id="{62468019-71FB-4D17-9B3C-F6A5314A34D2}" type="datetime1">
               <a:rPr lang="zh-CN" altLang="en-US" smtClean="0"/>
-              <a:t>2023/02/22</a:t>
+              <a:t>2025/4/8</a:t>
             </a:fld>
             <a:endParaRPr lang="zh-CN" altLang="en-US"/>
           </a:p>
@@ -2438,7 +2439,7 @@
           <a:p>
             <a:fld id="{4AB419BE-49FF-45D0-B257-7BC605413B3A}" type="datetime1">
               <a:rPr lang="zh-CN" altLang="en-US" smtClean="0"/>
-              <a:t>2023/02/22</a:t>
+              <a:t>2025/4/8</a:t>
             </a:fld>
             <a:endParaRPr lang="zh-CN" altLang="en-US"/>
           </a:p>
@@ -2579,7 +2580,7 @@
           <a:p>
             <a:fld id="{6319E9FC-0AA5-46B6-8E94-55EADC6DCFFF}" type="datetime1">
               <a:rPr lang="zh-CN" altLang="en-US" smtClean="0"/>
-              <a:t>2023/02/22</a:t>
+              <a:t>2025/4/8</a:t>
             </a:fld>
             <a:endParaRPr lang="zh-CN" altLang="en-US"/>
           </a:p>
@@ -2692,7 +2693,7 @@
           <a:p>
             <a:fld id="{FCFA6577-5736-496A-8F6D-C0BE13E9BEE0}" type="datetime1">
               <a:rPr lang="zh-CN" altLang="en-US" smtClean="0"/>
-              <a:t>2023/02/22</a:t>
+              <a:t>2025/4/8</a:t>
             </a:fld>
             <a:endParaRPr lang="zh-CN" altLang="en-US"/>
           </a:p>
@@ -3003,7 +3004,7 @@
           <a:p>
             <a:fld id="{10D62EDE-3CF3-4C9B-9666-764136C001DF}" type="datetime1">
               <a:rPr lang="zh-CN" altLang="en-US" smtClean="0"/>
-              <a:t>2023/02/22</a:t>
+              <a:t>2025/4/8</a:t>
             </a:fld>
             <a:endParaRPr lang="zh-CN" altLang="en-US"/>
           </a:p>
@@ -3291,7 +3292,7 @@
           <a:p>
             <a:fld id="{E31DF0E5-AB3E-4E91-8924-10EB10A38894}" type="datetime1">
               <a:rPr lang="zh-CN" altLang="en-US" smtClean="0"/>
-              <a:t>2023/02/22</a:t>
+              <a:t>2025/4/8</a:t>
             </a:fld>
             <a:endParaRPr lang="zh-CN" altLang="en-US"/>
           </a:p>
@@ -3532,7 +3533,7 @@
           <a:p>
             <a:fld id="{2E8DB3C8-7D21-4109-A2E4-E02A745546D7}" type="datetime1">
               <a:rPr lang="zh-CN" altLang="en-US" smtClean="0"/>
-              <a:t>2023/02/22</a:t>
+              <a:t>2025/4/8</a:t>
             </a:fld>
             <a:endParaRPr lang="zh-CN" altLang="en-US"/>
           </a:p>
@@ -4078,7 +4079,7 @@
           <p:cNvPr id="2" name="标题 1">
             <a:extLst>
               <a:ext uri="{FF2B5EF4-FFF2-40B4-BE49-F238E27FC236}">
-                <a16:creationId xmlns:a16="http://schemas.microsoft.com/office/drawing/2014/main" id="{17E8BECB-9240-B339-2FF0-C23962E60717}"/>
+                <a16:creationId xmlns:a16="http://schemas.microsoft.com/office/drawing/2014/main" id="{E362B23A-B1E6-3A10-8875-D5B817A603F7}"/>
               </a:ext>
             </a:extLst>
           </p:cNvPr>
@@ -4110,7 +4111,7 @@
           <p:cNvPr id="3" name="内容占位符 2">
             <a:extLst>
               <a:ext uri="{FF2B5EF4-FFF2-40B4-BE49-F238E27FC236}">
-                <a16:creationId xmlns:a16="http://schemas.microsoft.com/office/drawing/2014/main" id="{4CEAC515-C1ED-BBA8-BC5D-0BA0AA7EDDC0}"/>
+                <a16:creationId xmlns:a16="http://schemas.microsoft.com/office/drawing/2014/main" id="{F9385E7E-3470-6714-0BE0-17474853747C}"/>
               </a:ext>
             </a:extLst>
           </p:cNvPr>
@@ -4128,35 +4129,48 @@
           <a:p>
             <a:r>
               <a:rPr lang="zh-CN" altLang="en-US" dirty="0"/>
-              <a:t>产生调试信息：</a:t>
+              <a:t>指定头文件目录：</a:t>
             </a:r>
             <a:r>
               <a:rPr lang="en-US" altLang="zh-CN" dirty="0"/>
-              <a:t>-g</a:t>
-            </a:r>
+              <a:t>-I</a:t>
+            </a:r>
+          </a:p>
+          <a:p>
+            <a:endParaRPr lang="en-US" altLang="zh-CN" dirty="0"/>
+          </a:p>
+          <a:p>
+            <a:endParaRPr lang="en-US" altLang="zh-CN" dirty="0"/>
+          </a:p>
+          <a:p>
+            <a:endParaRPr lang="en-US" altLang="zh-CN" dirty="0"/>
+          </a:p>
+          <a:p>
+            <a:r>
+              <a:rPr lang="zh-CN" altLang="en-US" dirty="0"/>
+              <a:t>直接指定包含的头文件</a:t>
+            </a:r>
+            <a:endParaRPr lang="en-US" altLang="zh-CN" dirty="0"/>
           </a:p>
           <a:p>
             <a:pPr lvl="1"/>
             <a:r>
               <a:rPr lang="zh-CN" altLang="en-US" dirty="0"/>
-              <a:t>如果希望通过</a:t>
+              <a:t>以下命令相当于在源文件头部用</a:t>
+            </a:r>
+            <a:r>
+              <a:rPr lang="en-US" altLang="zh-CN" dirty="0"/>
+              <a:t>#include “</a:t>
             </a:r>
             <a:r>
               <a:rPr lang="en-US" altLang="zh-CN" dirty="0" err="1"/>
-              <a:t>gdb</a:t>
-            </a:r>
-            <a:r>
-              <a:rPr lang="zh-CN" altLang="en-US" dirty="0"/>
-              <a:t>调试代码，必须加上</a:t>
+              <a:t>my_head.h</a:t>
             </a:r>
             <a:r>
               <a:rPr lang="en-US" altLang="zh-CN" dirty="0"/>
-              <a:t>-g</a:t>
-            </a:r>
-            <a:r>
-              <a:rPr lang="zh-CN" altLang="en-US" dirty="0"/>
-              <a:t>选项</a:t>
-            </a:r>
+              <a:t>”</a:t>
+            </a:r>
+            <a:endParaRPr lang="zh-CN" altLang="en-US" dirty="0"/>
           </a:p>
         </p:txBody>
       </p:sp>
@@ -4165,7 +4179,7 @@
           <p:cNvPr id="4" name="灯片编号占位符 3">
             <a:extLst>
               <a:ext uri="{FF2B5EF4-FFF2-40B4-BE49-F238E27FC236}">
-                <a16:creationId xmlns:a16="http://schemas.microsoft.com/office/drawing/2014/main" id="{1335910E-B868-1BCB-70D8-AC12C26C3483}"/>
+                <a16:creationId xmlns:a16="http://schemas.microsoft.com/office/drawing/2014/main" id="{01EE5E0B-7003-53D0-DCF4-22906B860D86}"/>
               </a:ext>
             </a:extLst>
           </p:cNvPr>
@@ -4189,6 +4203,217 @@
               <a:rPr lang="zh-CN" altLang="en-US" smtClean="0"/>
               <a:pPr/>
               <a:t>10</a:t>
+            </a:fld>
+            <a:endParaRPr lang="zh-CN" altLang="en-US" dirty="0"/>
+          </a:p>
+        </p:txBody>
+      </p:sp>
+      <p:pic>
+        <p:nvPicPr>
+          <p:cNvPr id="6" name="图片 5">
+            <a:extLst>
+              <a:ext uri="{FF2B5EF4-FFF2-40B4-BE49-F238E27FC236}">
+                <a16:creationId xmlns:a16="http://schemas.microsoft.com/office/drawing/2014/main" id="{674ABE33-A713-00AB-ABF5-D406FC5B4D4F}"/>
+              </a:ext>
+            </a:extLst>
+          </p:cNvPr>
+          <p:cNvPicPr>
+            <a:picLocks noChangeAspect="1"/>
+          </p:cNvPicPr>
+          <p:nvPr/>
+        </p:nvPicPr>
+        <p:blipFill>
+          <a:blip r:embed="rId2"/>
+          <a:stretch>
+            <a:fillRect/>
+          </a:stretch>
+        </p:blipFill>
+        <p:spPr>
+          <a:xfrm>
+            <a:off x="445062" y="1571619"/>
+            <a:ext cx="8520913" cy="1612171"/>
+          </a:xfrm>
+          <a:prstGeom prst="rect">
+            <a:avLst/>
+          </a:prstGeom>
+        </p:spPr>
+      </p:pic>
+      <p:pic>
+        <p:nvPicPr>
+          <p:cNvPr id="8" name="图片 7">
+            <a:extLst>
+              <a:ext uri="{FF2B5EF4-FFF2-40B4-BE49-F238E27FC236}">
+                <a16:creationId xmlns:a16="http://schemas.microsoft.com/office/drawing/2014/main" id="{32505E61-7590-CA81-9F86-AF6E9E2EC10E}"/>
+              </a:ext>
+            </a:extLst>
+          </p:cNvPr>
+          <p:cNvPicPr>
+            <a:picLocks noChangeAspect="1"/>
+          </p:cNvPicPr>
+          <p:nvPr/>
+        </p:nvPicPr>
+        <p:blipFill>
+          <a:blip r:embed="rId3"/>
+          <a:stretch>
+            <a:fillRect/>
+          </a:stretch>
+        </p:blipFill>
+        <p:spPr>
+          <a:xfrm>
+            <a:off x="445062" y="4520601"/>
+            <a:ext cx="9594457" cy="2147063"/>
+          </a:xfrm>
+          <a:prstGeom prst="rect">
+            <a:avLst/>
+          </a:prstGeom>
+        </p:spPr>
+      </p:pic>
+    </p:spTree>
+    <p:extLst>
+      <p:ext uri="{BB962C8B-B14F-4D97-AF65-F5344CB8AC3E}">
+        <p14:creationId xmlns:p14="http://schemas.microsoft.com/office/powerpoint/2010/main" val="1347515310"/>
+      </p:ext>
+    </p:extLst>
+  </p:cSld>
+  <p:clrMapOvr>
+    <a:masterClrMapping/>
+  </p:clrMapOvr>
+</p:sld>
+</file>
+
+<file path=ppt/slides/slide11.xml><?xml version="1.0" encoding="utf-8"?>
+<p:sld xmlns:a="http://schemas.openxmlformats.org/drawingml/2006/main" xmlns:r="http://schemas.openxmlformats.org/officeDocument/2006/relationships" xmlns:p="http://schemas.openxmlformats.org/presentationml/2006/main">
+  <p:cSld>
+    <p:spTree>
+      <p:nvGrpSpPr>
+        <p:cNvPr id="1" name=""/>
+        <p:cNvGrpSpPr/>
+        <p:nvPr/>
+      </p:nvGrpSpPr>
+      <p:grpSpPr>
+        <a:xfrm>
+          <a:off x="0" y="0"/>
+          <a:ext cx="0" cy="0"/>
+          <a:chOff x="0" y="0"/>
+          <a:chExt cx="0" cy="0"/>
+        </a:xfrm>
+      </p:grpSpPr>
+      <p:sp>
+        <p:nvSpPr>
+          <p:cNvPr id="2" name="标题 1">
+            <a:extLst>
+              <a:ext uri="{FF2B5EF4-FFF2-40B4-BE49-F238E27FC236}">
+                <a16:creationId xmlns:a16="http://schemas.microsoft.com/office/drawing/2014/main" id="{17E8BECB-9240-B339-2FF0-C23962E60717}"/>
+              </a:ext>
+            </a:extLst>
+          </p:cNvPr>
+          <p:cNvSpPr>
+            <a:spLocks noGrp="1"/>
+          </p:cNvSpPr>
+          <p:nvPr>
+            <p:ph type="title"/>
+          </p:nvPr>
+        </p:nvSpPr>
+        <p:spPr/>
+        <p:txBody>
+          <a:bodyPr/>
+          <a:lstStyle/>
+          <a:p>
+            <a:r>
+              <a:rPr lang="en-US" altLang="zh-CN" dirty="0" err="1"/>
+              <a:t>gcc</a:t>
+            </a:r>
+            <a:r>
+              <a:rPr lang="zh-CN" altLang="en-US" dirty="0"/>
+              <a:t>参数</a:t>
+            </a:r>
+          </a:p>
+        </p:txBody>
+      </p:sp>
+      <p:sp>
+        <p:nvSpPr>
+          <p:cNvPr id="3" name="内容占位符 2">
+            <a:extLst>
+              <a:ext uri="{FF2B5EF4-FFF2-40B4-BE49-F238E27FC236}">
+                <a16:creationId xmlns:a16="http://schemas.microsoft.com/office/drawing/2014/main" id="{4CEAC515-C1ED-BBA8-BC5D-0BA0AA7EDDC0}"/>
+              </a:ext>
+            </a:extLst>
+          </p:cNvPr>
+          <p:cNvSpPr>
+            <a:spLocks noGrp="1"/>
+          </p:cNvSpPr>
+          <p:nvPr>
+            <p:ph idx="1"/>
+          </p:nvPr>
+        </p:nvSpPr>
+        <p:spPr/>
+        <p:txBody>
+          <a:bodyPr/>
+          <a:lstStyle/>
+          <a:p>
+            <a:r>
+              <a:rPr lang="zh-CN" altLang="en-US" dirty="0"/>
+              <a:t>产生调试信息：</a:t>
+            </a:r>
+            <a:r>
+              <a:rPr lang="en-US" altLang="zh-CN" dirty="0"/>
+              <a:t>-g</a:t>
+            </a:r>
+          </a:p>
+          <a:p>
+            <a:pPr lvl="1"/>
+            <a:r>
+              <a:rPr lang="zh-CN" altLang="en-US" dirty="0"/>
+              <a:t>如果希望通过</a:t>
+            </a:r>
+            <a:r>
+              <a:rPr lang="en-US" altLang="zh-CN" dirty="0" err="1"/>
+              <a:t>gdb</a:t>
+            </a:r>
+            <a:r>
+              <a:rPr lang="zh-CN" altLang="en-US" dirty="0"/>
+              <a:t>调试代码，必须加上</a:t>
+            </a:r>
+            <a:r>
+              <a:rPr lang="en-US" altLang="zh-CN" dirty="0"/>
+              <a:t>-g</a:t>
+            </a:r>
+            <a:r>
+              <a:rPr lang="zh-CN" altLang="en-US" dirty="0"/>
+              <a:t>选项</a:t>
+            </a:r>
+          </a:p>
+        </p:txBody>
+      </p:sp>
+      <p:sp>
+        <p:nvSpPr>
+          <p:cNvPr id="4" name="灯片编号占位符 3">
+            <a:extLst>
+              <a:ext uri="{FF2B5EF4-FFF2-40B4-BE49-F238E27FC236}">
+                <a16:creationId xmlns:a16="http://schemas.microsoft.com/office/drawing/2014/main" id="{1335910E-B868-1BCB-70D8-AC12C26C3483}"/>
+              </a:ext>
+            </a:extLst>
+          </p:cNvPr>
+          <p:cNvSpPr>
+            <a:spLocks noGrp="1"/>
+          </p:cNvSpPr>
+          <p:nvPr>
+            <p:ph type="sldNum" sz="quarter" idx="12"/>
+          </p:nvPr>
+        </p:nvSpPr>
+        <p:spPr/>
+        <p:txBody>
+          <a:bodyPr/>
+          <a:lstStyle/>
+          <a:p>
+            <a:r>
+              <a:rPr lang="zh-CN" altLang="en-US"/>
+              <a:t>计算机操作系统                     </a:t>
+            </a:r>
+            <a:fld id="{2109AC4C-C6B9-4211-8A17-43C623583010}" type="slidenum">
+              <a:rPr lang="zh-CN" altLang="en-US" smtClean="0"/>
+              <a:pPr/>
+              <a:t>11</a:t>
             </a:fld>
             <a:endParaRPr lang="zh-CN" altLang="en-US" dirty="0"/>
           </a:p>
@@ -4237,176 +4462,6 @@
 </p:sld>
 </file>
 
-<file path=ppt/slides/slide11.xml><?xml version="1.0" encoding="utf-8"?>
-<p:sld xmlns:a="http://schemas.openxmlformats.org/drawingml/2006/main" xmlns:r="http://schemas.openxmlformats.org/officeDocument/2006/relationships" xmlns:p="http://schemas.openxmlformats.org/presentationml/2006/main">
-  <p:cSld>
-    <p:spTree>
-      <p:nvGrpSpPr>
-        <p:cNvPr id="1" name=""/>
-        <p:cNvGrpSpPr/>
-        <p:nvPr/>
-      </p:nvGrpSpPr>
-      <p:grpSpPr>
-        <a:xfrm>
-          <a:off x="0" y="0"/>
-          <a:ext cx="0" cy="0"/>
-          <a:chOff x="0" y="0"/>
-          <a:chExt cx="0" cy="0"/>
-        </a:xfrm>
-      </p:grpSpPr>
-      <p:sp>
-        <p:nvSpPr>
-          <p:cNvPr id="2" name="标题 1">
-            <a:extLst>
-              <a:ext uri="{FF2B5EF4-FFF2-40B4-BE49-F238E27FC236}">
-                <a16:creationId xmlns:a16="http://schemas.microsoft.com/office/drawing/2014/main" id="{72D6435E-FDD7-7D04-9DF9-BD576D3844B9}"/>
-              </a:ext>
-            </a:extLst>
-          </p:cNvPr>
-          <p:cNvSpPr>
-            <a:spLocks noGrp="1"/>
-          </p:cNvSpPr>
-          <p:nvPr>
-            <p:ph type="title"/>
-          </p:nvPr>
-        </p:nvSpPr>
-        <p:spPr/>
-        <p:txBody>
-          <a:bodyPr/>
-          <a:lstStyle/>
-          <a:p>
-            <a:r>
-              <a:rPr lang="en-US" altLang="zh-CN" dirty="0" err="1"/>
-              <a:t>Makefile</a:t>
-            </a:r>
-            <a:endParaRPr lang="zh-CN" altLang="en-US" dirty="0"/>
-          </a:p>
-        </p:txBody>
-      </p:sp>
-      <p:sp>
-        <p:nvSpPr>
-          <p:cNvPr id="3" name="内容占位符 2">
-            <a:extLst>
-              <a:ext uri="{FF2B5EF4-FFF2-40B4-BE49-F238E27FC236}">
-                <a16:creationId xmlns:a16="http://schemas.microsoft.com/office/drawing/2014/main" id="{3D393A59-CE27-CB01-DEF0-37BE66E96728}"/>
-              </a:ext>
-            </a:extLst>
-          </p:cNvPr>
-          <p:cNvSpPr>
-            <a:spLocks noGrp="1"/>
-          </p:cNvSpPr>
-          <p:nvPr>
-            <p:ph idx="1"/>
-          </p:nvPr>
-        </p:nvSpPr>
-        <p:spPr/>
-        <p:txBody>
-          <a:bodyPr/>
-          <a:lstStyle/>
-          <a:p>
-            <a:r>
-              <a:rPr lang="en-US" altLang="zh-CN" dirty="0" err="1"/>
-              <a:t>Makefile</a:t>
-            </a:r>
-            <a:r>
-              <a:rPr lang="zh-CN" altLang="en-US" dirty="0"/>
-              <a:t>可以</a:t>
-            </a:r>
-            <a:r>
-              <a:rPr lang="zh-CN" altLang="en-US" dirty="0">
-                <a:solidFill>
-                  <a:srgbClr val="FF0000"/>
-                </a:solidFill>
-              </a:rPr>
-              <a:t>自动化</a:t>
-            </a:r>
-            <a:r>
-              <a:rPr lang="zh-CN" altLang="en-US" dirty="0"/>
-              <a:t>编译和链接过程</a:t>
-            </a:r>
-            <a:r>
-              <a:rPr lang="en-US" altLang="zh-CN" dirty="0"/>
-              <a:t>(</a:t>
-            </a:r>
-            <a:r>
-              <a:rPr lang="zh-CN" altLang="en-US" dirty="0"/>
-              <a:t>从源程序到可执行文件</a:t>
-            </a:r>
-            <a:r>
-              <a:rPr lang="en-US" altLang="zh-CN" dirty="0"/>
-              <a:t>)</a:t>
-            </a:r>
-          </a:p>
-          <a:p>
-            <a:r>
-              <a:rPr lang="zh-CN" altLang="en-US" dirty="0"/>
-              <a:t>只处理必要的部分：只重新编译发生变化的部分代码，及依赖该代码的部分文件</a:t>
-            </a:r>
-            <a:endParaRPr lang="en-US" altLang="zh-CN" dirty="0"/>
-          </a:p>
-          <a:p>
-            <a:r>
-              <a:rPr lang="zh-CN" altLang="en-US" dirty="0"/>
-              <a:t>提高项目的可维护性：通常</a:t>
-            </a:r>
-            <a:r>
-              <a:rPr lang="en-US" altLang="zh-CN" dirty="0" err="1"/>
-              <a:t>Makefile</a:t>
-            </a:r>
-            <a:r>
-              <a:rPr lang="zh-CN" altLang="en-US" dirty="0"/>
-              <a:t>文件只需要在项目初期搭建好，之后增量式修改</a:t>
-            </a:r>
-          </a:p>
-        </p:txBody>
-      </p:sp>
-      <p:sp>
-        <p:nvSpPr>
-          <p:cNvPr id="4" name="灯片编号占位符 3">
-            <a:extLst>
-              <a:ext uri="{FF2B5EF4-FFF2-40B4-BE49-F238E27FC236}">
-                <a16:creationId xmlns:a16="http://schemas.microsoft.com/office/drawing/2014/main" id="{4723C1E3-DC8B-BD61-0AEF-6E006C4392DC}"/>
-              </a:ext>
-            </a:extLst>
-          </p:cNvPr>
-          <p:cNvSpPr>
-            <a:spLocks noGrp="1"/>
-          </p:cNvSpPr>
-          <p:nvPr>
-            <p:ph type="sldNum" sz="quarter" idx="12"/>
-          </p:nvPr>
-        </p:nvSpPr>
-        <p:spPr/>
-        <p:txBody>
-          <a:bodyPr/>
-          <a:lstStyle/>
-          <a:p>
-            <a:r>
-              <a:rPr lang="zh-CN" altLang="en-US"/>
-              <a:t>计算机操作系统                     </a:t>
-            </a:r>
-            <a:fld id="{2109AC4C-C6B9-4211-8A17-43C623583010}" type="slidenum">
-              <a:rPr lang="zh-CN" altLang="en-US" smtClean="0"/>
-              <a:pPr/>
-              <a:t>11</a:t>
-            </a:fld>
-            <a:endParaRPr lang="zh-CN" altLang="en-US" dirty="0"/>
-          </a:p>
-        </p:txBody>
-      </p:sp>
-    </p:spTree>
-    <p:extLst>
-      <p:ext uri="{BB962C8B-B14F-4D97-AF65-F5344CB8AC3E}">
-        <p14:creationId xmlns:p14="http://schemas.microsoft.com/office/powerpoint/2010/main" val="3871754354"/>
-      </p:ext>
-    </p:extLst>
-  </p:cSld>
-  <p:clrMapOvr>
-    <a:masterClrMapping/>
-  </p:clrMapOvr>
-</p:sld>
-</file>
-
 <file path=ppt/slides/slide12.xml><?xml version="1.0" encoding="utf-8"?>
 <p:sld xmlns:a="http://schemas.openxmlformats.org/drawingml/2006/main" xmlns:r="http://schemas.openxmlformats.org/officeDocument/2006/relationships" xmlns:p="http://schemas.openxmlformats.org/presentationml/2006/main">
   <p:cSld>
@@ -4429,6 +4484,176 @@
           <p:cNvPr id="2" name="标题 1">
             <a:extLst>
               <a:ext uri="{FF2B5EF4-FFF2-40B4-BE49-F238E27FC236}">
+                <a16:creationId xmlns:a16="http://schemas.microsoft.com/office/drawing/2014/main" id="{72D6435E-FDD7-7D04-9DF9-BD576D3844B9}"/>
+              </a:ext>
+            </a:extLst>
+          </p:cNvPr>
+          <p:cNvSpPr>
+            <a:spLocks noGrp="1"/>
+          </p:cNvSpPr>
+          <p:nvPr>
+            <p:ph type="title"/>
+          </p:nvPr>
+        </p:nvSpPr>
+        <p:spPr/>
+        <p:txBody>
+          <a:bodyPr/>
+          <a:lstStyle/>
+          <a:p>
+            <a:r>
+              <a:rPr lang="en-US" altLang="zh-CN" dirty="0" err="1"/>
+              <a:t>Makefile</a:t>
+            </a:r>
+            <a:endParaRPr lang="zh-CN" altLang="en-US" dirty="0"/>
+          </a:p>
+        </p:txBody>
+      </p:sp>
+      <p:sp>
+        <p:nvSpPr>
+          <p:cNvPr id="3" name="内容占位符 2">
+            <a:extLst>
+              <a:ext uri="{FF2B5EF4-FFF2-40B4-BE49-F238E27FC236}">
+                <a16:creationId xmlns:a16="http://schemas.microsoft.com/office/drawing/2014/main" id="{3D393A59-CE27-CB01-DEF0-37BE66E96728}"/>
+              </a:ext>
+            </a:extLst>
+          </p:cNvPr>
+          <p:cNvSpPr>
+            <a:spLocks noGrp="1"/>
+          </p:cNvSpPr>
+          <p:nvPr>
+            <p:ph idx="1"/>
+          </p:nvPr>
+        </p:nvSpPr>
+        <p:spPr/>
+        <p:txBody>
+          <a:bodyPr/>
+          <a:lstStyle/>
+          <a:p>
+            <a:r>
+              <a:rPr lang="en-US" altLang="zh-CN" dirty="0" err="1"/>
+              <a:t>Makefile</a:t>
+            </a:r>
+            <a:r>
+              <a:rPr lang="zh-CN" altLang="en-US" dirty="0"/>
+              <a:t>可以</a:t>
+            </a:r>
+            <a:r>
+              <a:rPr lang="zh-CN" altLang="en-US" dirty="0">
+                <a:solidFill>
+                  <a:srgbClr val="FF0000"/>
+                </a:solidFill>
+              </a:rPr>
+              <a:t>自动化</a:t>
+            </a:r>
+            <a:r>
+              <a:rPr lang="zh-CN" altLang="en-US" dirty="0"/>
+              <a:t>编译和链接过程</a:t>
+            </a:r>
+            <a:r>
+              <a:rPr lang="en-US" altLang="zh-CN" dirty="0"/>
+              <a:t>(</a:t>
+            </a:r>
+            <a:r>
+              <a:rPr lang="zh-CN" altLang="en-US" dirty="0"/>
+              <a:t>从源程序到可执行文件</a:t>
+            </a:r>
+            <a:r>
+              <a:rPr lang="en-US" altLang="zh-CN" dirty="0"/>
+              <a:t>)</a:t>
+            </a:r>
+          </a:p>
+          <a:p>
+            <a:r>
+              <a:rPr lang="zh-CN" altLang="en-US" dirty="0"/>
+              <a:t>只处理必要的部分：只重新编译发生变化的部分代码，及依赖该代码的部分文件</a:t>
+            </a:r>
+            <a:endParaRPr lang="en-US" altLang="zh-CN" dirty="0"/>
+          </a:p>
+          <a:p>
+            <a:r>
+              <a:rPr lang="zh-CN" altLang="en-US" dirty="0"/>
+              <a:t>提高项目的可维护性：通常</a:t>
+            </a:r>
+            <a:r>
+              <a:rPr lang="en-US" altLang="zh-CN" dirty="0" err="1"/>
+              <a:t>Makefile</a:t>
+            </a:r>
+            <a:r>
+              <a:rPr lang="zh-CN" altLang="en-US" dirty="0"/>
+              <a:t>文件只需要在项目初期搭建好，之后增量式修改</a:t>
+            </a:r>
+          </a:p>
+        </p:txBody>
+      </p:sp>
+      <p:sp>
+        <p:nvSpPr>
+          <p:cNvPr id="4" name="灯片编号占位符 3">
+            <a:extLst>
+              <a:ext uri="{FF2B5EF4-FFF2-40B4-BE49-F238E27FC236}">
+                <a16:creationId xmlns:a16="http://schemas.microsoft.com/office/drawing/2014/main" id="{4723C1E3-DC8B-BD61-0AEF-6E006C4392DC}"/>
+              </a:ext>
+            </a:extLst>
+          </p:cNvPr>
+          <p:cNvSpPr>
+            <a:spLocks noGrp="1"/>
+          </p:cNvSpPr>
+          <p:nvPr>
+            <p:ph type="sldNum" sz="quarter" idx="12"/>
+          </p:nvPr>
+        </p:nvSpPr>
+        <p:spPr/>
+        <p:txBody>
+          <a:bodyPr/>
+          <a:lstStyle/>
+          <a:p>
+            <a:r>
+              <a:rPr lang="zh-CN" altLang="en-US"/>
+              <a:t>计算机操作系统                     </a:t>
+            </a:r>
+            <a:fld id="{2109AC4C-C6B9-4211-8A17-43C623583010}" type="slidenum">
+              <a:rPr lang="zh-CN" altLang="en-US" smtClean="0"/>
+              <a:pPr/>
+              <a:t>12</a:t>
+            </a:fld>
+            <a:endParaRPr lang="zh-CN" altLang="en-US" dirty="0"/>
+          </a:p>
+        </p:txBody>
+      </p:sp>
+    </p:spTree>
+    <p:extLst>
+      <p:ext uri="{BB962C8B-B14F-4D97-AF65-F5344CB8AC3E}">
+        <p14:creationId xmlns:p14="http://schemas.microsoft.com/office/powerpoint/2010/main" val="3871754354"/>
+      </p:ext>
+    </p:extLst>
+  </p:cSld>
+  <p:clrMapOvr>
+    <a:masterClrMapping/>
+  </p:clrMapOvr>
+</p:sld>
+</file>
+
+<file path=ppt/slides/slide13.xml><?xml version="1.0" encoding="utf-8"?>
+<p:sld xmlns:a="http://schemas.openxmlformats.org/drawingml/2006/main" xmlns:r="http://schemas.openxmlformats.org/officeDocument/2006/relationships" xmlns:p="http://schemas.openxmlformats.org/presentationml/2006/main">
+  <p:cSld>
+    <p:spTree>
+      <p:nvGrpSpPr>
+        <p:cNvPr id="1" name=""/>
+        <p:cNvGrpSpPr/>
+        <p:nvPr/>
+      </p:nvGrpSpPr>
+      <p:grpSpPr>
+        <a:xfrm>
+          <a:off x="0" y="0"/>
+          <a:ext cx="0" cy="0"/>
+          <a:chOff x="0" y="0"/>
+          <a:chExt cx="0" cy="0"/>
+        </a:xfrm>
+      </p:grpSpPr>
+      <p:sp>
+        <p:nvSpPr>
+          <p:cNvPr id="2" name="标题 1">
+            <a:extLst>
+              <a:ext uri="{FF2B5EF4-FFF2-40B4-BE49-F238E27FC236}">
                 <a16:creationId xmlns:a16="http://schemas.microsoft.com/office/drawing/2014/main" id="{414D04ED-7379-6673-12DA-566EE0DBFE62}"/>
               </a:ext>
             </a:extLst>
@@ -4656,7 +4881,7 @@
             <a:fld id="{2109AC4C-C6B9-4211-8A17-43C623583010}" type="slidenum">
               <a:rPr lang="zh-CN" altLang="en-US" smtClean="0"/>
               <a:pPr/>
-              <a:t>12</a:t>
+              <a:t>13</a:t>
             </a:fld>
             <a:endParaRPr lang="zh-CN" altLang="en-US" dirty="0"/>
           </a:p>
@@ -5008,7 +5233,7 @@
 </p:sld>
 </file>
 
-<file path=ppt/slides/slide13.xml><?xml version="1.0" encoding="utf-8"?>
+<file path=ppt/slides/slide14.xml><?xml version="1.0" encoding="utf-8"?>
 <p:sld xmlns:a="http://schemas.openxmlformats.org/drawingml/2006/main" xmlns:r="http://schemas.openxmlformats.org/officeDocument/2006/relationships" xmlns:p="http://schemas.openxmlformats.org/presentationml/2006/main">
   <p:cSld>
     <p:spTree>
@@ -5118,7 +5343,7 @@
             <a:fld id="{2109AC4C-C6B9-4211-8A17-43C623583010}" type="slidenum">
               <a:rPr lang="zh-CN" altLang="en-US" smtClean="0"/>
               <a:pPr/>
-              <a:t>13</a:t>
+              <a:t>14</a:t>
             </a:fld>
             <a:endParaRPr lang="zh-CN" altLang="en-US" dirty="0"/>
           </a:p>
@@ -5167,267 +5392,6 @@
 </p:sld>
 </file>
 
-<file path=ppt/slides/slide14.xml><?xml version="1.0" encoding="utf-8"?>
-<p:sld xmlns:a="http://schemas.openxmlformats.org/drawingml/2006/main" xmlns:r="http://schemas.openxmlformats.org/officeDocument/2006/relationships" xmlns:p="http://schemas.openxmlformats.org/presentationml/2006/main">
-  <p:cSld>
-    <p:spTree>
-      <p:nvGrpSpPr>
-        <p:cNvPr id="1" name=""/>
-        <p:cNvGrpSpPr/>
-        <p:nvPr/>
-      </p:nvGrpSpPr>
-      <p:grpSpPr>
-        <a:xfrm>
-          <a:off x="0" y="0"/>
-          <a:ext cx="0" cy="0"/>
-          <a:chOff x="0" y="0"/>
-          <a:chExt cx="0" cy="0"/>
-        </a:xfrm>
-      </p:grpSpPr>
-      <p:sp>
-        <p:nvSpPr>
-          <p:cNvPr id="2" name="标题 1">
-            <a:extLst>
-              <a:ext uri="{FF2B5EF4-FFF2-40B4-BE49-F238E27FC236}">
-                <a16:creationId xmlns:a16="http://schemas.microsoft.com/office/drawing/2014/main" id="{137E3B6B-1AA1-6337-D663-0CB277838FA8}"/>
-              </a:ext>
-            </a:extLst>
-          </p:cNvPr>
-          <p:cNvSpPr>
-            <a:spLocks noGrp="1"/>
-          </p:cNvSpPr>
-          <p:nvPr>
-            <p:ph type="title"/>
-          </p:nvPr>
-        </p:nvSpPr>
-        <p:spPr/>
-        <p:txBody>
-          <a:bodyPr/>
-          <a:lstStyle/>
-          <a:p>
-            <a:r>
-              <a:rPr lang="zh-CN" altLang="en-US" dirty="0"/>
-              <a:t>改进</a:t>
-            </a:r>
-            <a:r>
-              <a:rPr lang="en-US" altLang="zh-CN" dirty="0" err="1"/>
-              <a:t>Makefile</a:t>
-            </a:r>
-            <a:endParaRPr lang="zh-CN" altLang="en-US" dirty="0"/>
-          </a:p>
-        </p:txBody>
-      </p:sp>
-      <p:sp>
-        <p:nvSpPr>
-          <p:cNvPr id="3" name="内容占位符 2">
-            <a:extLst>
-              <a:ext uri="{FF2B5EF4-FFF2-40B4-BE49-F238E27FC236}">
-                <a16:creationId xmlns:a16="http://schemas.microsoft.com/office/drawing/2014/main" id="{CE490569-638E-375A-2451-11AE20DDC83B}"/>
-              </a:ext>
-            </a:extLst>
-          </p:cNvPr>
-          <p:cNvSpPr>
-            <a:spLocks noGrp="1"/>
-          </p:cNvSpPr>
-          <p:nvPr>
-            <p:ph idx="1"/>
-          </p:nvPr>
-        </p:nvSpPr>
-        <p:spPr/>
-        <p:txBody>
-          <a:bodyPr/>
-          <a:lstStyle/>
-          <a:p>
-            <a:r>
-              <a:rPr lang="zh-CN" altLang="en-US" dirty="0"/>
-              <a:t>在</a:t>
-            </a:r>
-            <a:r>
-              <a:rPr lang="en-US" altLang="zh-CN" dirty="0" err="1"/>
-              <a:t>Makefile</a:t>
-            </a:r>
-            <a:r>
-              <a:rPr lang="zh-CN" altLang="en-US" dirty="0"/>
-              <a:t>脚本中使用变量，提高灵活性</a:t>
-            </a:r>
-            <a:endParaRPr lang="en-US" altLang="zh-CN" dirty="0"/>
-          </a:p>
-          <a:p>
-            <a:pPr lvl="1"/>
-            <a:r>
-              <a:rPr lang="zh-CN" altLang="en-US" dirty="0"/>
-              <a:t>变量定义：变量名</a:t>
-            </a:r>
-            <a:r>
-              <a:rPr lang="en-US" altLang="zh-CN" dirty="0"/>
-              <a:t>=</a:t>
-            </a:r>
-            <a:r>
-              <a:rPr lang="zh-CN" altLang="en-US" dirty="0"/>
-              <a:t>变量值</a:t>
-            </a:r>
-            <a:endParaRPr lang="en-US" altLang="zh-CN" dirty="0"/>
-          </a:p>
-          <a:p>
-            <a:pPr lvl="1"/>
-            <a:r>
-              <a:rPr lang="zh-CN" altLang="en-US" dirty="0"/>
-              <a:t>变量引用：</a:t>
-            </a:r>
-            <a:r>
-              <a:rPr lang="en-US" altLang="zh-CN" dirty="0"/>
-              <a:t>$(</a:t>
-            </a:r>
-            <a:r>
-              <a:rPr lang="zh-CN" altLang="en-US" dirty="0"/>
-              <a:t>变量名</a:t>
-            </a:r>
-            <a:r>
-              <a:rPr lang="en-US" altLang="zh-CN" dirty="0"/>
-              <a:t>)</a:t>
-            </a:r>
-          </a:p>
-          <a:p>
-            <a:r>
-              <a:rPr lang="zh-CN" altLang="en-US" dirty="0"/>
-              <a:t>通配符：</a:t>
-            </a:r>
-            <a:r>
-              <a:rPr lang="en-US" altLang="zh-CN" dirty="0"/>
-              <a:t>%.o:%.c</a:t>
-            </a:r>
-          </a:p>
-          <a:p>
-            <a:pPr lvl="1"/>
-            <a:r>
-              <a:rPr lang="zh-CN" altLang="en-US" dirty="0"/>
-              <a:t>遍历项目目录下的所有</a:t>
-            </a:r>
-            <a:r>
-              <a:rPr lang="en-US" altLang="zh-CN" dirty="0"/>
-              <a:t>.o</a:t>
-            </a:r>
-            <a:r>
-              <a:rPr lang="zh-CN" altLang="en-US" dirty="0"/>
-              <a:t>文件和所有</a:t>
-            </a:r>
-            <a:r>
-              <a:rPr lang="en-US" altLang="zh-CN" dirty="0"/>
-              <a:t>.c</a:t>
-            </a:r>
-            <a:r>
-              <a:rPr lang="zh-CN" altLang="en-US" dirty="0"/>
-              <a:t>文件，并一一对应</a:t>
-            </a:r>
-            <a:endParaRPr lang="en-US" altLang="zh-CN" dirty="0"/>
-          </a:p>
-          <a:p>
-            <a:r>
-              <a:rPr lang="en-US" altLang="zh-CN" dirty="0"/>
-              <a:t>$@</a:t>
-            </a:r>
-            <a:r>
-              <a:rPr lang="zh-CN" altLang="en-US" dirty="0"/>
-              <a:t> </a:t>
-            </a:r>
-            <a:r>
-              <a:rPr lang="en-US" altLang="zh-CN" dirty="0"/>
-              <a:t>$^</a:t>
-            </a:r>
-          </a:p>
-          <a:p>
-            <a:pPr lvl="1"/>
-            <a:r>
-              <a:rPr lang="en-US" altLang="zh-CN" dirty="0"/>
-              <a:t>$@</a:t>
-            </a:r>
-            <a:r>
-              <a:rPr lang="zh-CN" altLang="en-US" dirty="0"/>
-              <a:t>代表依赖规则中的冒号</a:t>
-            </a:r>
-            <a:r>
-              <a:rPr lang="en-US" altLang="zh-CN" dirty="0"/>
-              <a:t>(:)</a:t>
-            </a:r>
-            <a:r>
-              <a:rPr lang="zh-CN" altLang="en-US" dirty="0"/>
-              <a:t>左边的部分，</a:t>
-            </a:r>
-            <a:r>
-              <a:rPr lang="en-US" altLang="zh-CN" dirty="0"/>
-              <a:t>$^</a:t>
-            </a:r>
-            <a:r>
-              <a:rPr lang="zh-CN" altLang="en-US" dirty="0"/>
-              <a:t>代表依赖规则中的冒号</a:t>
-            </a:r>
-            <a:r>
-              <a:rPr lang="en-US" altLang="zh-CN" dirty="0"/>
-              <a:t>(</a:t>
-            </a:r>
-            <a:r>
-              <a:rPr lang="en-US" altLang="zh-CN" dirty="0">
-                <a:sym typeface="Wingdings" panose="05000000000000000000" pitchFamily="2" charset="2"/>
-              </a:rPr>
-              <a:t>:)</a:t>
-            </a:r>
-            <a:r>
-              <a:rPr lang="zh-CN" altLang="en-US" dirty="0">
-                <a:sym typeface="Wingdings" panose="05000000000000000000" pitchFamily="2" charset="2"/>
-              </a:rPr>
-              <a:t>右边的部分</a:t>
-            </a:r>
-            <a:endParaRPr lang="zh-CN" altLang="en-US" dirty="0"/>
-          </a:p>
-        </p:txBody>
-      </p:sp>
-      <p:sp>
-        <p:nvSpPr>
-          <p:cNvPr id="4" name="灯片编号占位符 3">
-            <a:extLst>
-              <a:ext uri="{FF2B5EF4-FFF2-40B4-BE49-F238E27FC236}">
-                <a16:creationId xmlns:a16="http://schemas.microsoft.com/office/drawing/2014/main" id="{02DEB6BC-B9B8-1482-9167-CA4B54DB67CF}"/>
-              </a:ext>
-            </a:extLst>
-          </p:cNvPr>
-          <p:cNvSpPr>
-            <a:spLocks noGrp="1"/>
-          </p:cNvSpPr>
-          <p:nvPr>
-            <p:ph type="sldNum" sz="quarter" idx="12"/>
-          </p:nvPr>
-        </p:nvSpPr>
-        <p:spPr/>
-        <p:txBody>
-          <a:bodyPr/>
-          <a:lstStyle/>
-          <a:p>
-            <a:r>
-              <a:rPr lang="zh-CN" altLang="en-US"/>
-              <a:t>计算机操作系统                     </a:t>
-            </a:r>
-            <a:fld id="{2109AC4C-C6B9-4211-8A17-43C623583010}" type="slidenum">
-              <a:rPr lang="zh-CN" altLang="en-US" smtClean="0"/>
-              <a:pPr/>
-              <a:t>14</a:t>
-            </a:fld>
-            <a:endParaRPr lang="zh-CN" altLang="en-US" dirty="0"/>
-          </a:p>
-        </p:txBody>
-      </p:sp>
-    </p:spTree>
-    <p:extLst>
-      <p:ext uri="{BB962C8B-B14F-4D97-AF65-F5344CB8AC3E}">
-        <p14:creationId xmlns:p14="http://schemas.microsoft.com/office/powerpoint/2010/main" val="3366161447"/>
-      </p:ext>
-    </p:extLst>
-  </p:cSld>
-  <p:clrMapOvr>
-    <a:masterClrMapping/>
-  </p:clrMapOvr>
-</p:sld>
-</file>
-
 <file path=ppt/slides/slide15.xml><?xml version="1.0" encoding="utf-8"?>
 <p:sld xmlns:a="http://schemas.openxmlformats.org/drawingml/2006/main" xmlns:r="http://schemas.openxmlformats.org/officeDocument/2006/relationships" xmlns:p="http://schemas.openxmlformats.org/presentationml/2006/main">
   <p:cSld>
@@ -5450,7 +5414,7 @@
           <p:cNvPr id="2" name="标题 1">
             <a:extLst>
               <a:ext uri="{FF2B5EF4-FFF2-40B4-BE49-F238E27FC236}">
-                <a16:creationId xmlns:a16="http://schemas.microsoft.com/office/drawing/2014/main" id="{8E30165B-103B-6A28-E819-F43AA8D2EA85}"/>
+                <a16:creationId xmlns:a16="http://schemas.microsoft.com/office/drawing/2014/main" id="{137E3B6B-1AA1-6337-D663-0CB277838FA8}"/>
               </a:ext>
             </a:extLst>
           </p:cNvPr>
@@ -5483,7 +5447,7 @@
           <p:cNvPr id="3" name="内容占位符 2">
             <a:extLst>
               <a:ext uri="{FF2B5EF4-FFF2-40B4-BE49-F238E27FC236}">
-                <a16:creationId xmlns:a16="http://schemas.microsoft.com/office/drawing/2014/main" id="{FCB18505-E4AA-2D7B-CDA1-BAACB0161492}"/>
+                <a16:creationId xmlns:a16="http://schemas.microsoft.com/office/drawing/2014/main" id="{CE490569-638E-375A-2451-11AE20DDC83B}"/>
               </a:ext>
             </a:extLst>
           </p:cNvPr>
@@ -5501,7 +5465,7 @@
           <a:p>
             <a:r>
               <a:rPr lang="zh-CN" altLang="en-US" dirty="0"/>
-              <a:t>改进版</a:t>
+              <a:t>在</a:t>
             </a:r>
             <a:r>
               <a:rPr lang="en-US" altLang="zh-CN" dirty="0" err="1"/>
@@ -5509,8 +5473,136 @@
             </a:r>
             <a:r>
               <a:rPr lang="zh-CN" altLang="en-US" dirty="0"/>
-              <a:t>实例</a:t>
-            </a:r>
+              <a:t>脚本中使用变量，提高灵活性</a:t>
+            </a:r>
+            <a:endParaRPr lang="en-US" altLang="zh-CN" dirty="0"/>
+          </a:p>
+          <a:p>
+            <a:pPr lvl="1"/>
+            <a:r>
+              <a:rPr lang="zh-CN" altLang="en-US" dirty="0"/>
+              <a:t>变量定义：变量名</a:t>
+            </a:r>
+            <a:r>
+              <a:rPr lang="en-US" altLang="zh-CN" dirty="0"/>
+              <a:t>=</a:t>
+            </a:r>
+            <a:r>
+              <a:rPr lang="zh-CN" altLang="en-US" dirty="0"/>
+              <a:t>变量值</a:t>
+            </a:r>
+            <a:endParaRPr lang="en-US" altLang="zh-CN" dirty="0"/>
+          </a:p>
+          <a:p>
+            <a:pPr lvl="1"/>
+            <a:r>
+              <a:rPr lang="zh-CN" altLang="en-US" dirty="0"/>
+              <a:t>变量引用：</a:t>
+            </a:r>
+            <a:r>
+              <a:rPr lang="en-US" altLang="zh-CN" dirty="0"/>
+              <a:t>$(</a:t>
+            </a:r>
+            <a:r>
+              <a:rPr lang="zh-CN" altLang="en-US" dirty="0"/>
+              <a:t>变量名</a:t>
+            </a:r>
+            <a:r>
+              <a:rPr lang="en-US" altLang="zh-CN" dirty="0"/>
+              <a:t>)</a:t>
+            </a:r>
+          </a:p>
+          <a:p>
+            <a:r>
+              <a:rPr lang="zh-CN" altLang="en-US" dirty="0"/>
+              <a:t>通配符：</a:t>
+            </a:r>
+            <a:r>
+              <a:rPr lang="en-US" altLang="zh-CN" dirty="0"/>
+              <a:t>%.o:%.c</a:t>
+            </a:r>
+          </a:p>
+          <a:p>
+            <a:pPr lvl="1"/>
+            <a:r>
+              <a:rPr lang="zh-CN" altLang="en-US" dirty="0"/>
+              <a:t>遍历项目目录下的所有</a:t>
+            </a:r>
+            <a:r>
+              <a:rPr lang="en-US" altLang="zh-CN" dirty="0"/>
+              <a:t>.o</a:t>
+            </a:r>
+            <a:r>
+              <a:rPr lang="zh-CN" altLang="en-US" dirty="0"/>
+              <a:t>文件和所有</a:t>
+            </a:r>
+            <a:r>
+              <a:rPr lang="en-US" altLang="zh-CN" dirty="0"/>
+              <a:t>.c</a:t>
+            </a:r>
+            <a:r>
+              <a:rPr lang="zh-CN" altLang="en-US" dirty="0"/>
+              <a:t>文件，并一一对应</a:t>
+            </a:r>
+            <a:endParaRPr lang="en-US" altLang="zh-CN" dirty="0"/>
+          </a:p>
+          <a:p>
+            <a:r>
+              <a:rPr lang="en-US" altLang="zh-CN" dirty="0"/>
+              <a:t>$@</a:t>
+            </a:r>
+            <a:r>
+              <a:rPr lang="zh-CN" altLang="en-US" dirty="0"/>
+              <a:t> </a:t>
+            </a:r>
+            <a:r>
+              <a:rPr lang="en-US" altLang="zh-CN" dirty="0"/>
+              <a:t>$^</a:t>
+            </a:r>
+          </a:p>
+          <a:p>
+            <a:pPr lvl="1"/>
+            <a:r>
+              <a:rPr lang="en-US" altLang="zh-CN" dirty="0"/>
+              <a:t>$@</a:t>
+            </a:r>
+            <a:r>
+              <a:rPr lang="zh-CN" altLang="en-US" dirty="0"/>
+              <a:t>代表依赖规则中的冒号</a:t>
+            </a:r>
+            <a:r>
+              <a:rPr lang="en-US" altLang="zh-CN" dirty="0"/>
+              <a:t>(:)</a:t>
+            </a:r>
+            <a:r>
+              <a:rPr lang="zh-CN" altLang="en-US" dirty="0"/>
+              <a:t>左边的部分，</a:t>
+            </a:r>
+            <a:r>
+              <a:rPr lang="en-US" altLang="zh-CN" dirty="0"/>
+              <a:t>$^</a:t>
+            </a:r>
+            <a:r>
+              <a:rPr lang="zh-CN" altLang="en-US" dirty="0"/>
+              <a:t>代表依赖规则中的冒号</a:t>
+            </a:r>
+            <a:r>
+              <a:rPr lang="en-US" altLang="zh-CN" dirty="0"/>
+              <a:t>(</a:t>
+            </a:r>
+            <a:r>
+              <a:rPr lang="en-US" altLang="zh-CN" dirty="0">
+                <a:sym typeface="Wingdings" panose="05000000000000000000" pitchFamily="2" charset="2"/>
+              </a:rPr>
+              <a:t>:)</a:t>
+            </a:r>
+            <a:r>
+              <a:rPr lang="zh-CN" altLang="en-US" dirty="0">
+                <a:sym typeface="Wingdings" panose="05000000000000000000" pitchFamily="2" charset="2"/>
+              </a:rPr>
+              <a:t>右边的部分</a:t>
+            </a:r>
+            <a:endParaRPr lang="zh-CN" altLang="en-US" dirty="0"/>
           </a:p>
         </p:txBody>
       </p:sp>
@@ -5519,7 +5611,7 @@
           <p:cNvPr id="4" name="灯片编号占位符 3">
             <a:extLst>
               <a:ext uri="{FF2B5EF4-FFF2-40B4-BE49-F238E27FC236}">
-                <a16:creationId xmlns:a16="http://schemas.microsoft.com/office/drawing/2014/main" id="{E9A1635B-2AD8-4320-14C8-9B4C00A117E6}"/>
+                <a16:creationId xmlns:a16="http://schemas.microsoft.com/office/drawing/2014/main" id="{02DEB6BC-B9B8-1482-9167-CA4B54DB67CF}"/>
               </a:ext>
             </a:extLst>
           </p:cNvPr>
@@ -5543,6 +5635,139 @@
               <a:rPr lang="zh-CN" altLang="en-US" smtClean="0"/>
               <a:pPr/>
               <a:t>15</a:t>
+            </a:fld>
+            <a:endParaRPr lang="zh-CN" altLang="en-US" dirty="0"/>
+          </a:p>
+        </p:txBody>
+      </p:sp>
+    </p:spTree>
+    <p:extLst>
+      <p:ext uri="{BB962C8B-B14F-4D97-AF65-F5344CB8AC3E}">
+        <p14:creationId xmlns:p14="http://schemas.microsoft.com/office/powerpoint/2010/main" val="3366161447"/>
+      </p:ext>
+    </p:extLst>
+  </p:cSld>
+  <p:clrMapOvr>
+    <a:masterClrMapping/>
+  </p:clrMapOvr>
+</p:sld>
+</file>
+
+<file path=ppt/slides/slide16.xml><?xml version="1.0" encoding="utf-8"?>
+<p:sld xmlns:a="http://schemas.openxmlformats.org/drawingml/2006/main" xmlns:r="http://schemas.openxmlformats.org/officeDocument/2006/relationships" xmlns:p="http://schemas.openxmlformats.org/presentationml/2006/main">
+  <p:cSld>
+    <p:spTree>
+      <p:nvGrpSpPr>
+        <p:cNvPr id="1" name=""/>
+        <p:cNvGrpSpPr/>
+        <p:nvPr/>
+      </p:nvGrpSpPr>
+      <p:grpSpPr>
+        <a:xfrm>
+          <a:off x="0" y="0"/>
+          <a:ext cx="0" cy="0"/>
+          <a:chOff x="0" y="0"/>
+          <a:chExt cx="0" cy="0"/>
+        </a:xfrm>
+      </p:grpSpPr>
+      <p:sp>
+        <p:nvSpPr>
+          <p:cNvPr id="2" name="标题 1">
+            <a:extLst>
+              <a:ext uri="{FF2B5EF4-FFF2-40B4-BE49-F238E27FC236}">
+                <a16:creationId xmlns:a16="http://schemas.microsoft.com/office/drawing/2014/main" id="{8E30165B-103B-6A28-E819-F43AA8D2EA85}"/>
+              </a:ext>
+            </a:extLst>
+          </p:cNvPr>
+          <p:cNvSpPr>
+            <a:spLocks noGrp="1"/>
+          </p:cNvSpPr>
+          <p:nvPr>
+            <p:ph type="title"/>
+          </p:nvPr>
+        </p:nvSpPr>
+        <p:spPr/>
+        <p:txBody>
+          <a:bodyPr/>
+          <a:lstStyle/>
+          <a:p>
+            <a:r>
+              <a:rPr lang="zh-CN" altLang="en-US" dirty="0"/>
+              <a:t>改进</a:t>
+            </a:r>
+            <a:r>
+              <a:rPr lang="en-US" altLang="zh-CN" dirty="0" err="1"/>
+              <a:t>Makefile</a:t>
+            </a:r>
+            <a:endParaRPr lang="zh-CN" altLang="en-US" dirty="0"/>
+          </a:p>
+        </p:txBody>
+      </p:sp>
+      <p:sp>
+        <p:nvSpPr>
+          <p:cNvPr id="3" name="内容占位符 2">
+            <a:extLst>
+              <a:ext uri="{FF2B5EF4-FFF2-40B4-BE49-F238E27FC236}">
+                <a16:creationId xmlns:a16="http://schemas.microsoft.com/office/drawing/2014/main" id="{FCB18505-E4AA-2D7B-CDA1-BAACB0161492}"/>
+              </a:ext>
+            </a:extLst>
+          </p:cNvPr>
+          <p:cNvSpPr>
+            <a:spLocks noGrp="1"/>
+          </p:cNvSpPr>
+          <p:nvPr>
+            <p:ph idx="1"/>
+          </p:nvPr>
+        </p:nvSpPr>
+        <p:spPr/>
+        <p:txBody>
+          <a:bodyPr/>
+          <a:lstStyle/>
+          <a:p>
+            <a:r>
+              <a:rPr lang="zh-CN" altLang="en-US" dirty="0"/>
+              <a:t>改进版</a:t>
+            </a:r>
+            <a:r>
+              <a:rPr lang="en-US" altLang="zh-CN" dirty="0" err="1"/>
+              <a:t>Makefile</a:t>
+            </a:r>
+            <a:r>
+              <a:rPr lang="zh-CN" altLang="en-US" dirty="0"/>
+              <a:t>实例</a:t>
+            </a:r>
+          </a:p>
+        </p:txBody>
+      </p:sp>
+      <p:sp>
+        <p:nvSpPr>
+          <p:cNvPr id="4" name="灯片编号占位符 3">
+            <a:extLst>
+              <a:ext uri="{FF2B5EF4-FFF2-40B4-BE49-F238E27FC236}">
+                <a16:creationId xmlns:a16="http://schemas.microsoft.com/office/drawing/2014/main" id="{E9A1635B-2AD8-4320-14C8-9B4C00A117E6}"/>
+              </a:ext>
+            </a:extLst>
+          </p:cNvPr>
+          <p:cNvSpPr>
+            <a:spLocks noGrp="1"/>
+          </p:cNvSpPr>
+          <p:nvPr>
+            <p:ph type="sldNum" sz="quarter" idx="12"/>
+          </p:nvPr>
+        </p:nvSpPr>
+        <p:spPr/>
+        <p:txBody>
+          <a:bodyPr/>
+          <a:lstStyle/>
+          <a:p>
+            <a:r>
+              <a:rPr lang="zh-CN" altLang="en-US"/>
+              <a:t>计算机操作系统                     </a:t>
+            </a:r>
+            <a:fld id="{2109AC4C-C6B9-4211-8A17-43C623583010}" type="slidenum">
+              <a:rPr lang="zh-CN" altLang="en-US" smtClean="0"/>
+              <a:pPr/>
+              <a:t>16</a:t>
             </a:fld>
             <a:endParaRPr lang="zh-CN" altLang="en-US" dirty="0"/>
           </a:p>
@@ -5591,283 +5816,6 @@
 </p:sld>
 </file>
 
-<file path=ppt/slides/slide16.xml><?xml version="1.0" encoding="utf-8"?>
-<p:sld xmlns:a="http://schemas.openxmlformats.org/drawingml/2006/main" xmlns:r="http://schemas.openxmlformats.org/officeDocument/2006/relationships" xmlns:p="http://schemas.openxmlformats.org/presentationml/2006/main">
-  <p:cSld>
-    <p:spTree>
-      <p:nvGrpSpPr>
-        <p:cNvPr id="1" name=""/>
-        <p:cNvGrpSpPr/>
-        <p:nvPr/>
-      </p:nvGrpSpPr>
-      <p:grpSpPr>
-        <a:xfrm>
-          <a:off x="0" y="0"/>
-          <a:ext cx="0" cy="0"/>
-          <a:chOff x="0" y="0"/>
-          <a:chExt cx="0" cy="0"/>
-        </a:xfrm>
-      </p:grpSpPr>
-      <p:sp>
-        <p:nvSpPr>
-          <p:cNvPr id="2" name="标题 1">
-            <a:extLst>
-              <a:ext uri="{FF2B5EF4-FFF2-40B4-BE49-F238E27FC236}">
-                <a16:creationId xmlns:a16="http://schemas.microsoft.com/office/drawing/2014/main" id="{283E14E4-5F42-2095-81A4-C63829037EA9}"/>
-              </a:ext>
-            </a:extLst>
-          </p:cNvPr>
-          <p:cNvSpPr>
-            <a:spLocks noGrp="1"/>
-          </p:cNvSpPr>
-          <p:nvPr>
-            <p:ph type="title"/>
-          </p:nvPr>
-        </p:nvSpPr>
-        <p:spPr/>
-        <p:txBody>
-          <a:bodyPr/>
-          <a:lstStyle/>
-          <a:p>
-            <a:r>
-              <a:rPr lang="en-US" altLang="zh-CN" dirty="0" err="1"/>
-              <a:t>gdb</a:t>
-            </a:r>
-            <a:endParaRPr lang="zh-CN" altLang="en-US" dirty="0"/>
-          </a:p>
-        </p:txBody>
-      </p:sp>
-      <p:sp>
-        <p:nvSpPr>
-          <p:cNvPr id="3" name="内容占位符 2">
-            <a:extLst>
-              <a:ext uri="{FF2B5EF4-FFF2-40B4-BE49-F238E27FC236}">
-                <a16:creationId xmlns:a16="http://schemas.microsoft.com/office/drawing/2014/main" id="{4680E9C3-B4B3-3E80-15F6-FE201649863F}"/>
-              </a:ext>
-            </a:extLst>
-          </p:cNvPr>
-          <p:cNvSpPr>
-            <a:spLocks noGrp="1"/>
-          </p:cNvSpPr>
-          <p:nvPr>
-            <p:ph idx="1"/>
-          </p:nvPr>
-        </p:nvSpPr>
-        <p:spPr/>
-        <p:txBody>
-          <a:bodyPr>
-            <a:normAutofit fontScale="85000" lnSpcReduction="20000"/>
-          </a:bodyPr>
-          <a:lstStyle/>
-          <a:p>
-            <a:r>
-              <a:rPr lang="zh-CN" altLang="en-US" dirty="0"/>
-              <a:t>需要在编译过程中添加编译选项：</a:t>
-            </a:r>
-            <a:r>
-              <a:rPr lang="en-US" altLang="zh-CN" dirty="0"/>
-              <a:t>-g</a:t>
-            </a:r>
-          </a:p>
-          <a:p>
-            <a:pPr lvl="1"/>
-            <a:r>
-              <a:rPr lang="en-US" altLang="zh-CN" dirty="0" err="1"/>
-              <a:t>gcc</a:t>
-            </a:r>
-            <a:r>
-              <a:rPr lang="en-US" altLang="zh-CN" dirty="0"/>
-              <a:t> –g –o main </a:t>
-            </a:r>
-            <a:r>
-              <a:rPr lang="en-US" altLang="zh-CN" dirty="0" err="1"/>
-              <a:t>main.c</a:t>
-            </a:r>
-            <a:endParaRPr lang="en-US" altLang="zh-CN" dirty="0"/>
-          </a:p>
-          <a:p>
-            <a:r>
-              <a:rPr lang="zh-CN" altLang="en-US" dirty="0"/>
-              <a:t>进入调试模式</a:t>
-            </a:r>
-            <a:endParaRPr lang="en-US" altLang="zh-CN" dirty="0"/>
-          </a:p>
-          <a:p>
-            <a:pPr lvl="1"/>
-            <a:r>
-              <a:rPr lang="en-US" altLang="zh-CN" dirty="0" err="1"/>
-              <a:t>gdb</a:t>
-            </a:r>
-            <a:r>
-              <a:rPr lang="en-US" altLang="zh-CN" dirty="0"/>
-              <a:t> main</a:t>
-            </a:r>
-          </a:p>
-          <a:p>
-            <a:r>
-              <a:rPr lang="zh-CN" altLang="en-US" dirty="0"/>
-              <a:t>设置断点</a:t>
-            </a:r>
-            <a:endParaRPr lang="en-US" altLang="zh-CN" dirty="0"/>
-          </a:p>
-          <a:p>
-            <a:pPr lvl="1"/>
-            <a:r>
-              <a:rPr lang="en-US" altLang="zh-CN" dirty="0"/>
-              <a:t>break main.c:10</a:t>
-            </a:r>
-          </a:p>
-          <a:p>
-            <a:pPr lvl="1"/>
-            <a:r>
-              <a:rPr lang="en-US" altLang="zh-CN" dirty="0"/>
-              <a:t>delete 1(</a:t>
-            </a:r>
-            <a:r>
-              <a:rPr lang="zh-CN" altLang="en-US" dirty="0"/>
-              <a:t>删除断点</a:t>
-            </a:r>
-            <a:r>
-              <a:rPr lang="en-US" altLang="zh-CN"/>
-              <a:t>)</a:t>
-            </a:r>
-            <a:endParaRPr lang="en-US" altLang="zh-CN" dirty="0"/>
-          </a:p>
-          <a:p>
-            <a:r>
-              <a:rPr lang="zh-CN" altLang="en-US" dirty="0"/>
-              <a:t>运行程序</a:t>
-            </a:r>
-            <a:endParaRPr lang="en-US" altLang="zh-CN" dirty="0"/>
-          </a:p>
-          <a:p>
-            <a:pPr lvl="1"/>
-            <a:r>
-              <a:rPr lang="en-US" altLang="zh-CN" dirty="0"/>
-              <a:t>run</a:t>
-            </a:r>
-          </a:p>
-          <a:p>
-            <a:r>
-              <a:rPr lang="zh-CN" altLang="en-US" dirty="0"/>
-              <a:t>查看源代码</a:t>
-            </a:r>
-            <a:endParaRPr lang="en-US" altLang="zh-CN" dirty="0"/>
-          </a:p>
-          <a:p>
-            <a:pPr lvl="1"/>
-            <a:r>
-              <a:rPr lang="en-US" altLang="zh-CN" dirty="0"/>
-              <a:t>list</a:t>
-            </a:r>
-            <a:r>
-              <a:rPr lang="zh-CN" altLang="en-US" dirty="0"/>
-              <a:t>或</a:t>
-            </a:r>
-            <a:r>
-              <a:rPr lang="en-US" altLang="zh-CN" dirty="0"/>
-              <a:t>list </a:t>
-            </a:r>
-            <a:r>
-              <a:rPr lang="zh-CN" altLang="en-US" dirty="0"/>
-              <a:t>函数名</a:t>
-            </a:r>
-            <a:r>
-              <a:rPr lang="en-US" altLang="zh-CN" dirty="0"/>
-              <a:t>(</a:t>
-            </a:r>
-            <a:r>
-              <a:rPr lang="zh-CN" altLang="en-US" dirty="0"/>
-              <a:t>例如</a:t>
-            </a:r>
-            <a:r>
-              <a:rPr lang="en-US" altLang="zh-CN" dirty="0"/>
-              <a:t>main)</a:t>
-            </a:r>
-          </a:p>
-          <a:p>
-            <a:r>
-              <a:rPr lang="zh-CN" altLang="en-US" dirty="0"/>
-              <a:t>查看调用层次结构</a:t>
-            </a:r>
-            <a:r>
-              <a:rPr lang="en-US" altLang="zh-CN" dirty="0"/>
-              <a:t>(</a:t>
-            </a:r>
-            <a:r>
-              <a:rPr lang="zh-CN" altLang="en-US" dirty="0"/>
-              <a:t>栈帧</a:t>
-            </a:r>
-            <a:r>
-              <a:rPr lang="en-US" altLang="zh-CN" dirty="0"/>
-              <a:t>)</a:t>
-            </a:r>
-          </a:p>
-          <a:p>
-            <a:pPr lvl="1"/>
-            <a:r>
-              <a:rPr lang="en-US" altLang="zh-CN" dirty="0"/>
-              <a:t>backtrace </a:t>
-            </a:r>
-            <a:r>
-              <a:rPr lang="zh-CN" altLang="en-US" dirty="0"/>
-              <a:t>或 </a:t>
-            </a:r>
-            <a:r>
-              <a:rPr lang="en-US" altLang="zh-CN" dirty="0" err="1"/>
-              <a:t>bt</a:t>
-            </a:r>
-            <a:endParaRPr lang="en-US" altLang="zh-CN" dirty="0"/>
-          </a:p>
-        </p:txBody>
-      </p:sp>
-      <p:sp>
-        <p:nvSpPr>
-          <p:cNvPr id="4" name="灯片编号占位符 3">
-            <a:extLst>
-              <a:ext uri="{FF2B5EF4-FFF2-40B4-BE49-F238E27FC236}">
-                <a16:creationId xmlns:a16="http://schemas.microsoft.com/office/drawing/2014/main" id="{D09987FA-6E73-07CD-F795-16A63866ED54}"/>
-              </a:ext>
-            </a:extLst>
-          </p:cNvPr>
-          <p:cNvSpPr>
-            <a:spLocks noGrp="1"/>
-          </p:cNvSpPr>
-          <p:nvPr>
-            <p:ph type="sldNum" sz="quarter" idx="12"/>
-          </p:nvPr>
-        </p:nvSpPr>
-        <p:spPr/>
-        <p:txBody>
-          <a:bodyPr/>
-          <a:lstStyle/>
-          <a:p>
-            <a:r>
-              <a:rPr lang="zh-CN" altLang="en-US"/>
-              <a:t>计算机操作系统                     </a:t>
-            </a:r>
-            <a:fld id="{2109AC4C-C6B9-4211-8A17-43C623583010}" type="slidenum">
-              <a:rPr lang="zh-CN" altLang="en-US" smtClean="0"/>
-              <a:pPr/>
-              <a:t>16</a:t>
-            </a:fld>
-            <a:endParaRPr lang="zh-CN" altLang="en-US" dirty="0"/>
-          </a:p>
-        </p:txBody>
-      </p:sp>
-    </p:spTree>
-    <p:extLst>
-      <p:ext uri="{BB962C8B-B14F-4D97-AF65-F5344CB8AC3E}">
-        <p14:creationId xmlns:p14="http://schemas.microsoft.com/office/powerpoint/2010/main" val="153353020"/>
-      </p:ext>
-    </p:extLst>
-  </p:cSld>
-  <p:clrMapOvr>
-    <a:masterClrMapping/>
-  </p:clrMapOvr>
-</p:sld>
-</file>
-
 <file path=ppt/slides/slide17.xml><?xml version="1.0" encoding="utf-8"?>
 <p:sld xmlns:a="http://schemas.openxmlformats.org/drawingml/2006/main" xmlns:r="http://schemas.openxmlformats.org/officeDocument/2006/relationships" xmlns:p="http://schemas.openxmlformats.org/presentationml/2006/main">
   <p:cSld>
@@ -5890,7 +5838,7 @@
           <p:cNvPr id="2" name="标题 1">
             <a:extLst>
               <a:ext uri="{FF2B5EF4-FFF2-40B4-BE49-F238E27FC236}">
-                <a16:creationId xmlns:a16="http://schemas.microsoft.com/office/drawing/2014/main" id="{0935BBC4-76AF-87DB-382D-8DEA28DA4825}"/>
+                <a16:creationId xmlns:a16="http://schemas.microsoft.com/office/drawing/2014/main" id="{283E14E4-5F42-2095-81A4-C63829037EA9}"/>
               </a:ext>
             </a:extLst>
           </p:cNvPr>
@@ -5919,7 +5867,7 @@
           <p:cNvPr id="3" name="内容占位符 2">
             <a:extLst>
               <a:ext uri="{FF2B5EF4-FFF2-40B4-BE49-F238E27FC236}">
-                <a16:creationId xmlns:a16="http://schemas.microsoft.com/office/drawing/2014/main" id="{4828E0BB-E515-40E0-3210-2131B49FF368}"/>
+                <a16:creationId xmlns:a16="http://schemas.microsoft.com/office/drawing/2014/main" id="{4680E9C3-B4B3-3E80-15F6-FE201649863F}"/>
               </a:ext>
             </a:extLst>
           </p:cNvPr>
@@ -5933,92 +5881,169 @@
         <p:spPr/>
         <p:txBody>
           <a:bodyPr>
-            <a:normAutofit/>
+            <a:normAutofit fontScale="85000" lnSpcReduction="20000"/>
           </a:bodyPr>
           <a:lstStyle/>
           <a:p>
             <a:r>
               <a:rPr lang="zh-CN" altLang="en-US" dirty="0"/>
-              <a:t>单步执行</a:t>
+              <a:t>需要在编译过程中添加编译选项：</a:t>
             </a:r>
             <a:r>
               <a:rPr lang="en-US" altLang="zh-CN" dirty="0"/>
-              <a:t>(step over)</a:t>
+              <a:t>-g</a:t>
             </a:r>
           </a:p>
           <a:p>
             <a:pPr lvl="1"/>
             <a:r>
+              <a:rPr lang="en-US" altLang="zh-CN" dirty="0" err="1"/>
+              <a:t>gcc</a:t>
+            </a:r>
+            <a:r>
               <a:rPr lang="en-US" altLang="zh-CN" dirty="0"/>
-              <a:t>n</a:t>
-            </a:r>
-          </a:p>
-          <a:p>
-            <a:r>
-              <a:rPr lang="zh-CN" altLang="en-US" dirty="0"/>
-              <a:t>单步执行</a:t>
+              <a:t> –g –o main </a:t>
+            </a:r>
+            <a:r>
+              <a:rPr lang="en-US" altLang="zh-CN" dirty="0" err="1"/>
+              <a:t>main.c</a:t>
+            </a:r>
+            <a:endParaRPr lang="en-US" altLang="zh-CN" dirty="0"/>
+          </a:p>
+          <a:p>
+            <a:r>
+              <a:rPr lang="zh-CN" altLang="en-US" dirty="0"/>
+              <a:t>进入调试模式</a:t>
+            </a:r>
+            <a:endParaRPr lang="en-US" altLang="zh-CN" dirty="0"/>
+          </a:p>
+          <a:p>
+            <a:pPr lvl="1"/>
+            <a:r>
+              <a:rPr lang="en-US" altLang="zh-CN" dirty="0" err="1"/>
+              <a:t>gdb</a:t>
             </a:r>
             <a:r>
               <a:rPr lang="en-US" altLang="zh-CN" dirty="0"/>
-              <a:t>(step into)</a:t>
-            </a:r>
+              <a:t> main</a:t>
+            </a:r>
+          </a:p>
+          <a:p>
+            <a:r>
+              <a:rPr lang="zh-CN" altLang="en-US" dirty="0"/>
+              <a:t>设置断点</a:t>
+            </a:r>
+            <a:endParaRPr lang="en-US" altLang="zh-CN" dirty="0"/>
           </a:p>
           <a:p>
             <a:pPr lvl="1"/>
             <a:r>
               <a:rPr lang="en-US" altLang="zh-CN" dirty="0"/>
-              <a:t>s</a:t>
-            </a:r>
-          </a:p>
-          <a:p>
-            <a:r>
-              <a:rPr lang="zh-CN" altLang="en-US" dirty="0"/>
-              <a:t>进入汇编层</a:t>
+              <a:t>break main.c:10</a:t>
+            </a:r>
+          </a:p>
+          <a:p>
+            <a:pPr lvl="1"/>
+            <a:r>
+              <a:rPr lang="en-US" altLang="zh-CN" dirty="0"/>
+              <a:t>delete 1(</a:t>
+            </a:r>
+            <a:r>
+              <a:rPr lang="zh-CN" altLang="en-US" dirty="0"/>
+              <a:t>删除断点</a:t>
+            </a:r>
+            <a:r>
+              <a:rPr lang="en-US" altLang="zh-CN"/>
+              <a:t>)</a:t>
             </a:r>
             <a:endParaRPr lang="en-US" altLang="zh-CN" dirty="0"/>
           </a:p>
           <a:p>
+            <a:r>
+              <a:rPr lang="zh-CN" altLang="en-US" dirty="0"/>
+              <a:t>运行程序</a:t>
+            </a:r>
+            <a:endParaRPr lang="en-US" altLang="zh-CN" dirty="0"/>
+          </a:p>
+          <a:p>
             <a:pPr lvl="1"/>
             <a:r>
-              <a:rPr lang="zh-CN" altLang="en-US" dirty="0"/>
-              <a:t>在上述指令基础上加</a:t>
-            </a:r>
-            <a:r>
               <a:rPr lang="en-US" altLang="zh-CN" dirty="0"/>
-              <a:t>I</a:t>
-            </a:r>
+              <a:t>run</a:t>
+            </a:r>
+          </a:p>
+          <a:p>
+            <a:r>
+              <a:rPr lang="zh-CN" altLang="en-US" dirty="0"/>
+              <a:t>查看源代码</a:t>
+            </a:r>
+            <a:endParaRPr lang="en-US" altLang="zh-CN" dirty="0"/>
           </a:p>
           <a:p>
             <a:pPr lvl="1"/>
             <a:r>
+              <a:rPr lang="en-US" altLang="zh-CN" dirty="0"/>
+              <a:t>list</a:t>
+            </a:r>
+            <a:r>
+              <a:rPr lang="zh-CN" altLang="en-US" dirty="0"/>
+              <a:t>或</a:t>
+            </a:r>
+            <a:r>
+              <a:rPr lang="en-US" altLang="zh-CN" dirty="0"/>
+              <a:t>list </a:t>
+            </a:r>
+            <a:r>
+              <a:rPr lang="zh-CN" altLang="en-US" dirty="0"/>
+              <a:t>函数名</a:t>
+            </a:r>
+            <a:r>
+              <a:rPr lang="en-US" altLang="zh-CN" dirty="0"/>
+              <a:t>(</a:t>
+            </a:r>
+            <a:r>
+              <a:rPr lang="zh-CN" altLang="en-US" dirty="0"/>
+              <a:t>例如</a:t>
+            </a:r>
+            <a:r>
+              <a:rPr lang="en-US" altLang="zh-CN" dirty="0"/>
+              <a:t>main)</a:t>
+            </a:r>
+          </a:p>
+          <a:p>
+            <a:r>
+              <a:rPr lang="zh-CN" altLang="en-US" dirty="0"/>
+              <a:t>查看调用层次结构</a:t>
+            </a:r>
+            <a:r>
+              <a:rPr lang="en-US" altLang="zh-CN" dirty="0"/>
+              <a:t>(</a:t>
+            </a:r>
+            <a:r>
+              <a:rPr lang="zh-CN" altLang="en-US" dirty="0"/>
+              <a:t>栈帧</a:t>
+            </a:r>
+            <a:r>
+              <a:rPr lang="en-US" altLang="zh-CN" dirty="0"/>
+              <a:t>)</a:t>
+            </a:r>
+          </a:p>
+          <a:p>
+            <a:pPr lvl="1"/>
+            <a:r>
+              <a:rPr lang="en-US" altLang="zh-CN" dirty="0"/>
+              <a:t>backtrace </a:t>
+            </a:r>
+            <a:r>
+              <a:rPr lang="zh-CN" altLang="en-US" dirty="0"/>
+              <a:t>或 </a:t>
+            </a:r>
+            <a:r>
               <a:rPr lang="en-US" altLang="zh-CN" dirty="0" err="1"/>
-              <a:t>ni</a:t>
+              <a:t>bt</a:t>
             </a:r>
             <a:endParaRPr lang="en-US" altLang="zh-CN" dirty="0"/>
           </a:p>
-          <a:p>
-            <a:pPr lvl="1"/>
-            <a:r>
-              <a:rPr lang="en-US" altLang="zh-CN" dirty="0" err="1"/>
-              <a:t>si</a:t>
-            </a:r>
-            <a:endParaRPr lang="en-US" altLang="zh-CN" dirty="0"/>
-          </a:p>
-          <a:p>
-            <a:r>
-              <a:rPr lang="zh-CN" altLang="en-US" dirty="0"/>
-              <a:t>从当前函数返回</a:t>
-            </a:r>
-            <a:endParaRPr lang="en-US" altLang="zh-CN" dirty="0"/>
-          </a:p>
-          <a:p>
-            <a:pPr lvl="1"/>
-            <a:r>
-              <a:rPr lang="en-US" altLang="zh-CN" dirty="0"/>
-              <a:t>finish</a:t>
-            </a:r>
-            <a:endParaRPr lang="zh-CN" altLang="en-US" dirty="0"/>
-          </a:p>
         </p:txBody>
       </p:sp>
       <p:sp>
@@ -6026,7 +6051,7 @@
           <p:cNvPr id="4" name="灯片编号占位符 3">
             <a:extLst>
               <a:ext uri="{FF2B5EF4-FFF2-40B4-BE49-F238E27FC236}">
-                <a16:creationId xmlns:a16="http://schemas.microsoft.com/office/drawing/2014/main" id="{5CC045CD-3430-7736-4BFF-974B3F2345AF}"/>
+                <a16:creationId xmlns:a16="http://schemas.microsoft.com/office/drawing/2014/main" id="{D09987FA-6E73-07CD-F795-16A63866ED54}"/>
               </a:ext>
             </a:extLst>
           </p:cNvPr>
@@ -6058,7 +6083,7 @@
     </p:spTree>
     <p:extLst>
       <p:ext uri="{BB962C8B-B14F-4D97-AF65-F5344CB8AC3E}">
-        <p14:creationId xmlns:p14="http://schemas.microsoft.com/office/powerpoint/2010/main" val="2908187588"/>
+        <p14:creationId xmlns:p14="http://schemas.microsoft.com/office/powerpoint/2010/main" val="153353020"/>
       </p:ext>
     </p:extLst>
   </p:cSld>
@@ -6090,7 +6115,7 @@
           <p:cNvPr id="2" name="标题 1">
             <a:extLst>
               <a:ext uri="{FF2B5EF4-FFF2-40B4-BE49-F238E27FC236}">
-                <a16:creationId xmlns:a16="http://schemas.microsoft.com/office/drawing/2014/main" id="{BE750BF1-98DF-471E-4B8F-3BF1F08C50FA}"/>
+                <a16:creationId xmlns:a16="http://schemas.microsoft.com/office/drawing/2014/main" id="{0935BBC4-76AF-87DB-382D-8DEA28DA4825}"/>
               </a:ext>
             </a:extLst>
           </p:cNvPr>
@@ -6119,7 +6144,7 @@
           <p:cNvPr id="3" name="内容占位符 2">
             <a:extLst>
               <a:ext uri="{FF2B5EF4-FFF2-40B4-BE49-F238E27FC236}">
-                <a16:creationId xmlns:a16="http://schemas.microsoft.com/office/drawing/2014/main" id="{6367E8FC-509C-761B-C089-548BA2719776}"/>
+                <a16:creationId xmlns:a16="http://schemas.microsoft.com/office/drawing/2014/main" id="{4828E0BB-E515-40E0-3210-2131B49FF368}"/>
               </a:ext>
             </a:extLst>
           </p:cNvPr>
@@ -6132,111 +6157,90 @@
         </p:nvSpPr>
         <p:spPr/>
         <p:txBody>
-          <a:bodyPr/>
-          <a:lstStyle/>
-          <a:p>
-            <a:r>
-              <a:rPr lang="zh-CN" altLang="en-US" dirty="0"/>
-              <a:t>查看某个变量</a:t>
+          <a:bodyPr>
+            <a:normAutofit/>
+          </a:bodyPr>
+          <a:lstStyle/>
+          <a:p>
+            <a:r>
+              <a:rPr lang="zh-CN" altLang="en-US" dirty="0"/>
+              <a:t>单步执行</a:t>
+            </a:r>
+            <a:r>
+              <a:rPr lang="en-US" altLang="zh-CN" dirty="0"/>
+              <a:t>(step over)</a:t>
+            </a:r>
+          </a:p>
+          <a:p>
+            <a:pPr lvl="1"/>
+            <a:r>
+              <a:rPr lang="en-US" altLang="zh-CN" dirty="0"/>
+              <a:t>n</a:t>
+            </a:r>
+          </a:p>
+          <a:p>
+            <a:r>
+              <a:rPr lang="zh-CN" altLang="en-US" dirty="0"/>
+              <a:t>单步执行</a:t>
+            </a:r>
+            <a:r>
+              <a:rPr lang="en-US" altLang="zh-CN" dirty="0"/>
+              <a:t>(step into)</a:t>
+            </a:r>
+          </a:p>
+          <a:p>
+            <a:pPr lvl="1"/>
+            <a:r>
+              <a:rPr lang="en-US" altLang="zh-CN" dirty="0"/>
+              <a:t>s</a:t>
+            </a:r>
+          </a:p>
+          <a:p>
+            <a:r>
+              <a:rPr lang="zh-CN" altLang="en-US" dirty="0"/>
+              <a:t>进入汇编层</a:t>
             </a:r>
             <a:endParaRPr lang="en-US" altLang="zh-CN" dirty="0"/>
           </a:p>
           <a:p>
             <a:pPr lvl="1"/>
             <a:r>
+              <a:rPr lang="zh-CN" altLang="en-US" dirty="0"/>
+              <a:t>在上述指令基础上加</a:t>
+            </a:r>
+            <a:r>
               <a:rPr lang="en-US" altLang="zh-CN" dirty="0"/>
-              <a:t>print </a:t>
-            </a:r>
-            <a:r>
-              <a:rPr lang="zh-CN" altLang="en-US" dirty="0"/>
-              <a:t>变量名</a:t>
+              <a:t>I</a:t>
+            </a:r>
+          </a:p>
+          <a:p>
+            <a:pPr lvl="1"/>
+            <a:r>
+              <a:rPr lang="en-US" altLang="zh-CN" dirty="0" err="1"/>
+              <a:t>ni</a:t>
             </a:r>
             <a:endParaRPr lang="en-US" altLang="zh-CN" dirty="0"/>
           </a:p>
           <a:p>
             <a:pPr lvl="1"/>
             <a:r>
+              <a:rPr lang="en-US" altLang="zh-CN" dirty="0" err="1"/>
+              <a:t>si</a:t>
+            </a:r>
+            <a:endParaRPr lang="en-US" altLang="zh-CN" dirty="0"/>
+          </a:p>
+          <a:p>
+            <a:r>
+              <a:rPr lang="zh-CN" altLang="en-US" dirty="0"/>
+              <a:t>从当前函数返回</a:t>
+            </a:r>
+            <a:endParaRPr lang="en-US" altLang="zh-CN" dirty="0"/>
+          </a:p>
+          <a:p>
+            <a:pPr lvl="1"/>
+            <a:r>
               <a:rPr lang="en-US" altLang="zh-CN" dirty="0"/>
-              <a:t>p </a:t>
-            </a:r>
-            <a:r>
-              <a:rPr lang="zh-CN" altLang="en-US" dirty="0"/>
-              <a:t>变量名</a:t>
-            </a:r>
-            <a:endParaRPr lang="en-US" altLang="zh-CN" dirty="0"/>
-          </a:p>
-          <a:p>
-            <a:r>
-              <a:rPr lang="zh-CN" altLang="en-US" dirty="0"/>
-              <a:t>查看寄存器</a:t>
-            </a:r>
-            <a:endParaRPr lang="en-US" altLang="zh-CN" dirty="0"/>
-          </a:p>
-          <a:p>
-            <a:pPr lvl="1"/>
-            <a:r>
-              <a:rPr lang="en-US" altLang="zh-CN" dirty="0"/>
-              <a:t>info register</a:t>
-            </a:r>
-            <a:r>
-              <a:rPr lang="zh-CN" altLang="en-US" dirty="0"/>
-              <a:t>或</a:t>
-            </a:r>
-            <a:r>
-              <a:rPr lang="en-US" altLang="zh-CN" dirty="0"/>
-              <a:t>info reg</a:t>
-            </a:r>
-          </a:p>
-          <a:p>
-            <a:r>
-              <a:rPr lang="zh-CN" altLang="en-US" dirty="0"/>
-              <a:t>查看内存</a:t>
-            </a:r>
-            <a:endParaRPr lang="en-US" altLang="zh-CN" dirty="0"/>
-          </a:p>
-          <a:p>
-            <a:pPr lvl="1"/>
-            <a:r>
-              <a:rPr lang="en-US" altLang="zh-CN" dirty="0"/>
-              <a:t>x /20xh </a:t>
-            </a:r>
-            <a:r>
-              <a:rPr lang="zh-CN" altLang="en-US" dirty="0"/>
-              <a:t>内存地址</a:t>
-            </a:r>
-            <a:endParaRPr lang="en-US" altLang="zh-CN" dirty="0"/>
-          </a:p>
-          <a:p>
-            <a:pPr lvl="1"/>
-            <a:r>
-              <a:rPr lang="zh-CN" altLang="en-US" dirty="0"/>
-              <a:t>例如：</a:t>
-            </a:r>
-            <a:r>
-              <a:rPr lang="en-US" altLang="zh-CN" dirty="0"/>
-              <a:t>x /20xh 0x7fffffffde2c</a:t>
-            </a:r>
-          </a:p>
-          <a:p>
-            <a:r>
-              <a:rPr lang="zh-CN" altLang="en-US" dirty="0"/>
-              <a:t>从</a:t>
-            </a:r>
-            <a:r>
-              <a:rPr lang="en-US" altLang="zh-CN" dirty="0" err="1"/>
-              <a:t>gdb</a:t>
-            </a:r>
-            <a:r>
-              <a:rPr lang="zh-CN" altLang="en-US" dirty="0"/>
-              <a:t>退出</a:t>
-            </a:r>
-            <a:endParaRPr lang="en-US" altLang="zh-CN" dirty="0"/>
-          </a:p>
-          <a:p>
-            <a:pPr lvl="1"/>
-            <a:r>
-              <a:rPr lang="en-US" altLang="zh-CN" dirty="0"/>
-              <a:t>quit</a:t>
+              <a:t>finish</a:t>
             </a:r>
             <a:endParaRPr lang="zh-CN" altLang="en-US" dirty="0"/>
           </a:p>
@@ -6247,7 +6251,7 @@
           <p:cNvPr id="4" name="灯片编号占位符 3">
             <a:extLst>
               <a:ext uri="{FF2B5EF4-FFF2-40B4-BE49-F238E27FC236}">
-                <a16:creationId xmlns:a16="http://schemas.microsoft.com/office/drawing/2014/main" id="{B0DB1070-7489-B8AA-42C2-C50814E6B069}"/>
+                <a16:creationId xmlns:a16="http://schemas.microsoft.com/office/drawing/2014/main" id="{5CC045CD-3430-7736-4BFF-974B3F2345AF}"/>
               </a:ext>
             </a:extLst>
           </p:cNvPr>
@@ -6271,6 +6275,227 @@
               <a:rPr lang="zh-CN" altLang="en-US" smtClean="0"/>
               <a:pPr/>
               <a:t>18</a:t>
+            </a:fld>
+            <a:endParaRPr lang="zh-CN" altLang="en-US" dirty="0"/>
+          </a:p>
+        </p:txBody>
+      </p:sp>
+    </p:spTree>
+    <p:extLst>
+      <p:ext uri="{BB962C8B-B14F-4D97-AF65-F5344CB8AC3E}">
+        <p14:creationId xmlns:p14="http://schemas.microsoft.com/office/powerpoint/2010/main" val="2908187588"/>
+      </p:ext>
+    </p:extLst>
+  </p:cSld>
+  <p:clrMapOvr>
+    <a:masterClrMapping/>
+  </p:clrMapOvr>
+</p:sld>
+</file>
+
+<file path=ppt/slides/slide19.xml><?xml version="1.0" encoding="utf-8"?>
+<p:sld xmlns:a="http://schemas.openxmlformats.org/drawingml/2006/main" xmlns:r="http://schemas.openxmlformats.org/officeDocument/2006/relationships" xmlns:p="http://schemas.openxmlformats.org/presentationml/2006/main">
+  <p:cSld>
+    <p:spTree>
+      <p:nvGrpSpPr>
+        <p:cNvPr id="1" name=""/>
+        <p:cNvGrpSpPr/>
+        <p:nvPr/>
+      </p:nvGrpSpPr>
+      <p:grpSpPr>
+        <a:xfrm>
+          <a:off x="0" y="0"/>
+          <a:ext cx="0" cy="0"/>
+          <a:chOff x="0" y="0"/>
+          <a:chExt cx="0" cy="0"/>
+        </a:xfrm>
+      </p:grpSpPr>
+      <p:sp>
+        <p:nvSpPr>
+          <p:cNvPr id="2" name="标题 1">
+            <a:extLst>
+              <a:ext uri="{FF2B5EF4-FFF2-40B4-BE49-F238E27FC236}">
+                <a16:creationId xmlns:a16="http://schemas.microsoft.com/office/drawing/2014/main" id="{BE750BF1-98DF-471E-4B8F-3BF1F08C50FA}"/>
+              </a:ext>
+            </a:extLst>
+          </p:cNvPr>
+          <p:cNvSpPr>
+            <a:spLocks noGrp="1"/>
+          </p:cNvSpPr>
+          <p:nvPr>
+            <p:ph type="title"/>
+          </p:nvPr>
+        </p:nvSpPr>
+        <p:spPr/>
+        <p:txBody>
+          <a:bodyPr/>
+          <a:lstStyle/>
+          <a:p>
+            <a:r>
+              <a:rPr lang="en-US" altLang="zh-CN" dirty="0" err="1"/>
+              <a:t>gdb</a:t>
+            </a:r>
+            <a:endParaRPr lang="zh-CN" altLang="en-US" dirty="0"/>
+          </a:p>
+        </p:txBody>
+      </p:sp>
+      <p:sp>
+        <p:nvSpPr>
+          <p:cNvPr id="3" name="内容占位符 2">
+            <a:extLst>
+              <a:ext uri="{FF2B5EF4-FFF2-40B4-BE49-F238E27FC236}">
+                <a16:creationId xmlns:a16="http://schemas.microsoft.com/office/drawing/2014/main" id="{6367E8FC-509C-761B-C089-548BA2719776}"/>
+              </a:ext>
+            </a:extLst>
+          </p:cNvPr>
+          <p:cNvSpPr>
+            <a:spLocks noGrp="1"/>
+          </p:cNvSpPr>
+          <p:nvPr>
+            <p:ph idx="1"/>
+          </p:nvPr>
+        </p:nvSpPr>
+        <p:spPr/>
+        <p:txBody>
+          <a:bodyPr/>
+          <a:lstStyle/>
+          <a:p>
+            <a:r>
+              <a:rPr lang="zh-CN" altLang="en-US" dirty="0"/>
+              <a:t>查看某个变量</a:t>
+            </a:r>
+            <a:endParaRPr lang="en-US" altLang="zh-CN" dirty="0"/>
+          </a:p>
+          <a:p>
+            <a:pPr lvl="1"/>
+            <a:r>
+              <a:rPr lang="en-US" altLang="zh-CN" dirty="0"/>
+              <a:t>print </a:t>
+            </a:r>
+            <a:r>
+              <a:rPr lang="zh-CN" altLang="en-US" dirty="0"/>
+              <a:t>变量名</a:t>
+            </a:r>
+            <a:endParaRPr lang="en-US" altLang="zh-CN" dirty="0"/>
+          </a:p>
+          <a:p>
+            <a:pPr lvl="1"/>
+            <a:r>
+              <a:rPr lang="en-US" altLang="zh-CN" dirty="0"/>
+              <a:t>p </a:t>
+            </a:r>
+            <a:r>
+              <a:rPr lang="zh-CN" altLang="en-US" dirty="0"/>
+              <a:t>变量名</a:t>
+            </a:r>
+            <a:endParaRPr lang="en-US" altLang="zh-CN" dirty="0"/>
+          </a:p>
+          <a:p>
+            <a:r>
+              <a:rPr lang="zh-CN" altLang="en-US" dirty="0"/>
+              <a:t>查看寄存器</a:t>
+            </a:r>
+            <a:endParaRPr lang="en-US" altLang="zh-CN" dirty="0"/>
+          </a:p>
+          <a:p>
+            <a:pPr lvl="1"/>
+            <a:r>
+              <a:rPr lang="en-US" altLang="zh-CN" dirty="0"/>
+              <a:t>info register</a:t>
+            </a:r>
+            <a:r>
+              <a:rPr lang="zh-CN" altLang="en-US" dirty="0"/>
+              <a:t>或</a:t>
+            </a:r>
+            <a:r>
+              <a:rPr lang="en-US" altLang="zh-CN" dirty="0"/>
+              <a:t>info reg</a:t>
+            </a:r>
+          </a:p>
+          <a:p>
+            <a:r>
+              <a:rPr lang="zh-CN" altLang="en-US" dirty="0"/>
+              <a:t>查看内存</a:t>
+            </a:r>
+            <a:endParaRPr lang="en-US" altLang="zh-CN" dirty="0"/>
+          </a:p>
+          <a:p>
+            <a:pPr lvl="1"/>
+            <a:r>
+              <a:rPr lang="en-US" altLang="zh-CN" dirty="0"/>
+              <a:t>x /20xh </a:t>
+            </a:r>
+            <a:r>
+              <a:rPr lang="zh-CN" altLang="en-US" dirty="0"/>
+              <a:t>内存地址</a:t>
+            </a:r>
+            <a:endParaRPr lang="en-US" altLang="zh-CN" dirty="0"/>
+          </a:p>
+          <a:p>
+            <a:pPr lvl="1"/>
+            <a:r>
+              <a:rPr lang="zh-CN" altLang="en-US" dirty="0"/>
+              <a:t>例如：</a:t>
+            </a:r>
+            <a:r>
+              <a:rPr lang="en-US" altLang="zh-CN" dirty="0"/>
+              <a:t>x /20xh 0x7fffffffde2c</a:t>
+            </a:r>
+          </a:p>
+          <a:p>
+            <a:r>
+              <a:rPr lang="zh-CN" altLang="en-US" dirty="0"/>
+              <a:t>从</a:t>
+            </a:r>
+            <a:r>
+              <a:rPr lang="en-US" altLang="zh-CN" dirty="0" err="1"/>
+              <a:t>gdb</a:t>
+            </a:r>
+            <a:r>
+              <a:rPr lang="zh-CN" altLang="en-US" dirty="0"/>
+              <a:t>退出</a:t>
+            </a:r>
+            <a:endParaRPr lang="en-US" altLang="zh-CN" dirty="0"/>
+          </a:p>
+          <a:p>
+            <a:pPr lvl="1"/>
+            <a:r>
+              <a:rPr lang="en-US" altLang="zh-CN" dirty="0"/>
+              <a:t>quit</a:t>
+            </a:r>
+            <a:endParaRPr lang="zh-CN" altLang="en-US" dirty="0"/>
+          </a:p>
+        </p:txBody>
+      </p:sp>
+      <p:sp>
+        <p:nvSpPr>
+          <p:cNvPr id="4" name="灯片编号占位符 3">
+            <a:extLst>
+              <a:ext uri="{FF2B5EF4-FFF2-40B4-BE49-F238E27FC236}">
+                <a16:creationId xmlns:a16="http://schemas.microsoft.com/office/drawing/2014/main" id="{B0DB1070-7489-B8AA-42C2-C50814E6B069}"/>
+              </a:ext>
+            </a:extLst>
+          </p:cNvPr>
+          <p:cNvSpPr>
+            <a:spLocks noGrp="1"/>
+          </p:cNvSpPr>
+          <p:nvPr>
+            <p:ph type="sldNum" sz="quarter" idx="12"/>
+          </p:nvPr>
+        </p:nvSpPr>
+        <p:spPr/>
+        <p:txBody>
+          <a:bodyPr/>
+          <a:lstStyle/>
+          <a:p>
+            <a:r>
+              <a:rPr lang="zh-CN" altLang="en-US"/>
+              <a:t>计算机操作系统                     </a:t>
+            </a:r>
+            <a:fld id="{2109AC4C-C6B9-4211-8A17-43C623583010}" type="slidenum">
+              <a:rPr lang="zh-CN" altLang="en-US" smtClean="0"/>
+              <a:pPr/>
+              <a:t>19</a:t>
             </a:fld>
             <a:endParaRPr lang="zh-CN" altLang="en-US" dirty="0"/>
           </a:p>
@@ -6311,7 +6536,7 @@
           <p:cNvPr id="2" name="标题 1">
             <a:extLst>
               <a:ext uri="{FF2B5EF4-FFF2-40B4-BE49-F238E27FC236}">
-                <a16:creationId xmlns:a16="http://schemas.microsoft.com/office/drawing/2014/main" id="{2A719865-6D09-6944-F7F7-B04132BFFCFD}"/>
+                <a16:creationId xmlns:a16="http://schemas.microsoft.com/office/drawing/2014/main" id="{657731DE-481C-2E4C-975D-8EF802C597DB}"/>
               </a:ext>
             </a:extLst>
           </p:cNvPr>
@@ -6324,16 +6549,10 @@
         </p:nvSpPr>
         <p:spPr/>
         <p:txBody>
-          <a:bodyPr>
-            <a:normAutofit/>
-          </a:bodyPr>
-          <a:lstStyle/>
-          <a:p>
-            <a:r>
-              <a:rPr lang="en-US" altLang="zh-CN" dirty="0" err="1"/>
-              <a:t>gcc</a:t>
-            </a:r>
-            <a:endParaRPr lang="zh-CN" altLang="en-US" dirty="0"/>
+          <a:bodyPr/>
+          <a:lstStyle/>
+          <a:p>
+            <a:endParaRPr kumimoji="1" lang="zh-CN" altLang="en-US"/>
           </a:p>
         </p:txBody>
       </p:sp>
@@ -6342,7 +6561,7 @@
           <p:cNvPr id="3" name="内容占位符 2">
             <a:extLst>
               <a:ext uri="{FF2B5EF4-FFF2-40B4-BE49-F238E27FC236}">
-                <a16:creationId xmlns:a16="http://schemas.microsoft.com/office/drawing/2014/main" id="{D39BA41E-9FB8-3962-54AE-94EEAFC307EB}"/>
+                <a16:creationId xmlns:a16="http://schemas.microsoft.com/office/drawing/2014/main" id="{2C22145B-FD0F-BC48-9646-202D309FE857}"/>
               </a:ext>
             </a:extLst>
           </p:cNvPr>
@@ -6359,109 +6578,82 @@
           <a:lstStyle/>
           <a:p>
             <a:r>
-              <a:rPr lang="en-US" altLang="zh-CN" dirty="0" err="1"/>
-              <a:t>gcc</a:t>
-            </a:r>
-            <a:r>
-              <a:rPr lang="zh-CN" altLang="en-US" dirty="0"/>
-              <a:t>是</a:t>
-            </a:r>
-            <a:r>
-              <a:rPr lang="en-US" altLang="zh-CN" dirty="0"/>
-              <a:t>gnu</a:t>
-            </a:r>
-            <a:r>
-              <a:rPr lang="zh-CN" altLang="en-US" dirty="0"/>
-              <a:t>的</a:t>
-            </a:r>
-            <a:r>
-              <a:rPr lang="en-US" altLang="zh-CN" dirty="0"/>
-              <a:t>c</a:t>
-            </a:r>
-            <a:r>
-              <a:rPr lang="zh-CN" altLang="en-US" dirty="0"/>
-              <a:t>语言编译器</a:t>
-            </a:r>
-            <a:endParaRPr lang="en-US" altLang="zh-CN" dirty="0"/>
-          </a:p>
-          <a:p>
-            <a:r>
-              <a:rPr lang="zh-CN" altLang="en-US" dirty="0"/>
-              <a:t>编译过程</a:t>
-            </a:r>
-            <a:endParaRPr lang="en-US" altLang="zh-CN" dirty="0"/>
-          </a:p>
-          <a:p>
-            <a:pPr lvl="1"/>
-            <a:r>
-              <a:rPr lang="zh-CN" altLang="en-US" dirty="0"/>
-              <a:t>预处理：</a:t>
-            </a:r>
-            <a:r>
-              <a:rPr lang="en-US" altLang="zh-CN" dirty="0"/>
-              <a:t>#include,#define</a:t>
-            </a:r>
-          </a:p>
-          <a:p>
-            <a:pPr lvl="1"/>
-            <a:r>
-              <a:rPr lang="zh-CN" altLang="en-US" dirty="0"/>
-              <a:t>编译生成汇编程序</a:t>
-            </a:r>
-            <a:r>
-              <a:rPr lang="en-US" altLang="zh-CN" dirty="0"/>
-              <a:t>(.s)</a:t>
-            </a:r>
-          </a:p>
-          <a:p>
-            <a:pPr lvl="1"/>
-            <a:r>
-              <a:rPr lang="zh-CN" altLang="en-US" dirty="0"/>
-              <a:t>通过汇编程序，生成目标文件</a:t>
-            </a:r>
-            <a:r>
-              <a:rPr lang="en-US" altLang="zh-CN" dirty="0"/>
-              <a:t>(.o)</a:t>
-            </a:r>
-            <a:r>
-              <a:rPr lang="zh-CN" altLang="en-US" dirty="0"/>
-              <a:t>，目标文件并不是可执行文件</a:t>
-            </a:r>
-            <a:endParaRPr lang="en-US" altLang="zh-CN" dirty="0"/>
-          </a:p>
-          <a:p>
-            <a:pPr lvl="1"/>
-            <a:r>
-              <a:rPr lang="zh-CN" altLang="en-US" dirty="0"/>
-              <a:t>通过连接器，把所有的目标文件链接为可执行程序</a:t>
-            </a:r>
-            <a:r>
-              <a:rPr lang="en-US" altLang="zh-CN" dirty="0"/>
-              <a:t>(</a:t>
-            </a:r>
-            <a:r>
-              <a:rPr lang="en-US" altLang="zh-CN" dirty="0" err="1"/>
-              <a:t>elf,exe</a:t>
-            </a:r>
-            <a:r>
-              <a:rPr lang="en-US" altLang="zh-CN" dirty="0"/>
-              <a:t>)</a:t>
-            </a:r>
-          </a:p>
-          <a:p>
-            <a:endParaRPr lang="en-US" altLang="zh-CN" dirty="0"/>
-          </a:p>
-          <a:p>
-            <a:endParaRPr lang="zh-CN" altLang="en-US" dirty="0"/>
-          </a:p>
-        </p:txBody>
-      </p:sp>
-      <p:sp>
-        <p:nvSpPr>
-          <p:cNvPr id="4" name="灯片编号占位符 3">
-            <a:extLst>
-              <a:ext uri="{FF2B5EF4-FFF2-40B4-BE49-F238E27FC236}">
-                <a16:creationId xmlns:a16="http://schemas.microsoft.com/office/drawing/2014/main" id="{7CA6BC58-DE92-C8F3-1617-C7E8E6A68833}"/>
+              <a:rPr kumimoji="1" lang="zh-CN" altLang="en-US" dirty="0"/>
+              <a:t>腾讯会议：</a:t>
+            </a:r>
+            <a:r>
+              <a:rPr kumimoji="1" lang="en-US" altLang="zh-CN" dirty="0"/>
+              <a:t>9</a:t>
+            </a:r>
+            <a:r>
+              <a:rPr kumimoji="1" lang="en-US" altLang="zh-Hans" dirty="0"/>
+              <a:t>093452087</a:t>
+            </a:r>
+          </a:p>
+          <a:p>
+            <a:r>
+              <a:rPr kumimoji="1" lang="zh-CN" altLang="en-US" dirty="0"/>
+              <a:t>实验用服务器地址：</a:t>
+            </a:r>
+            <a:r>
+              <a:rPr kumimoji="1" lang="en-US" altLang="zh-CN" dirty="0"/>
+              <a:t>2</a:t>
+            </a:r>
+            <a:r>
+              <a:rPr kumimoji="1" lang="en-US" altLang="zh-Hans" dirty="0"/>
+              <a:t>02.198.198.211</a:t>
+            </a:r>
+          </a:p>
+          <a:p>
+            <a:r>
+              <a:rPr kumimoji="1" lang="zh-CN" altLang="en-US" dirty="0"/>
+              <a:t>账号</a:t>
+            </a:r>
+            <a:r>
+              <a:rPr kumimoji="1" lang="en-US" altLang="zh-CN" dirty="0"/>
+              <a:t>/</a:t>
+            </a:r>
+            <a:r>
+              <a:rPr kumimoji="1" lang="zh-CN" altLang="en-US" dirty="0"/>
+              <a:t>密码：</a:t>
+            </a:r>
+            <a:r>
+              <a:rPr kumimoji="1" lang="en-US" altLang="zh-CN" dirty="0" err="1"/>
+              <a:t>stuXXX</a:t>
+            </a:r>
+            <a:r>
+              <a:rPr kumimoji="1" lang="en-US" altLang="zh-CN" dirty="0"/>
+              <a:t> / </a:t>
+            </a:r>
+            <a:r>
+              <a:rPr kumimoji="1" lang="en-US" altLang="zh-CN" dirty="0" err="1"/>
+              <a:t>stuXXX</a:t>
+            </a:r>
+            <a:endParaRPr kumimoji="1" lang="en-US" altLang="zh-CN" dirty="0"/>
+          </a:p>
+          <a:p>
+            <a:r>
+              <a:rPr kumimoji="1" lang="zh-CN" altLang="en-US" dirty="0"/>
+              <a:t>登陆方法：</a:t>
+            </a:r>
+            <a:r>
+              <a:rPr kumimoji="1" lang="en-US" altLang="zh-CN" err="1"/>
+              <a:t>stuXXX</a:t>
+            </a:r>
+            <a:r>
+              <a:rPr kumimoji="1" lang="en-US" altLang="zh-CN"/>
+              <a:t>@202.198.198.211</a:t>
+            </a:r>
+            <a:endParaRPr kumimoji="1" lang="en-US" altLang="zh-CN" dirty="0"/>
+          </a:p>
+        </p:txBody>
+      </p:sp>
+      <p:sp>
+        <p:nvSpPr>
+          <p:cNvPr id="4" name="幻灯片编号占位符 3">
+            <a:extLst>
+              <a:ext uri="{FF2B5EF4-FFF2-40B4-BE49-F238E27FC236}">
+                <a16:creationId xmlns:a16="http://schemas.microsoft.com/office/drawing/2014/main" id="{2457E069-8155-A74D-BF25-04C144F55B60}"/>
               </a:ext>
             </a:extLst>
           </p:cNvPr>
@@ -6478,7 +6670,7 @@
           <a:lstStyle/>
           <a:p>
             <a:r>
-              <a:rPr lang="zh-CN" altLang="en-US" dirty="0"/>
+              <a:rPr lang="zh-CN" altLang="en-US"/>
               <a:t>计算机操作系统                     </a:t>
             </a:r>
             <a:fld id="{2109AC4C-C6B9-4211-8A17-43C623583010}" type="slidenum">
@@ -6493,7 +6685,7 @@
     </p:spTree>
     <p:extLst>
       <p:ext uri="{BB962C8B-B14F-4D97-AF65-F5344CB8AC3E}">
-        <p14:creationId xmlns:p14="http://schemas.microsoft.com/office/powerpoint/2010/main" val="2709239024"/>
+        <p14:creationId xmlns:p14="http://schemas.microsoft.com/office/powerpoint/2010/main" val="1212417490"/>
       </p:ext>
     </p:extLst>
   </p:cSld>
@@ -6525,7 +6717,7 @@
           <p:cNvPr id="2" name="标题 1">
             <a:extLst>
               <a:ext uri="{FF2B5EF4-FFF2-40B4-BE49-F238E27FC236}">
-                <a16:creationId xmlns:a16="http://schemas.microsoft.com/office/drawing/2014/main" id="{20D92B73-2DAA-FC9C-5AF9-45A84CF10610}"/>
+                <a16:creationId xmlns:a16="http://schemas.microsoft.com/office/drawing/2014/main" id="{2A719865-6D09-6944-F7F7-B04132BFFCFD}"/>
               </a:ext>
             </a:extLst>
           </p:cNvPr>
@@ -6538,17 +6730,16 @@
         </p:nvSpPr>
         <p:spPr/>
         <p:txBody>
-          <a:bodyPr/>
+          <a:bodyPr>
+            <a:normAutofit/>
+          </a:bodyPr>
           <a:lstStyle/>
           <a:p>
             <a:r>
               <a:rPr lang="en-US" altLang="zh-CN" dirty="0" err="1"/>
               <a:t>gcc</a:t>
             </a:r>
-            <a:r>
-              <a:rPr lang="zh-CN" altLang="en-US" dirty="0"/>
-              <a:t>参数</a:t>
-            </a:r>
+            <a:endParaRPr lang="zh-CN" altLang="en-US" dirty="0"/>
           </a:p>
         </p:txBody>
       </p:sp>
@@ -6557,7 +6748,7 @@
           <p:cNvPr id="3" name="内容占位符 2">
             <a:extLst>
               <a:ext uri="{FF2B5EF4-FFF2-40B4-BE49-F238E27FC236}">
-                <a16:creationId xmlns:a16="http://schemas.microsoft.com/office/drawing/2014/main" id="{E9833C38-3410-195F-0DB0-6B40FCEE2731}"/>
+                <a16:creationId xmlns:a16="http://schemas.microsoft.com/office/drawing/2014/main" id="{D39BA41E-9FB8-3962-54AE-94EEAFC307EB}"/>
               </a:ext>
             </a:extLst>
           </p:cNvPr>
@@ -6574,19 +6765,73 @@
           <a:lstStyle/>
           <a:p>
             <a:r>
+              <a:rPr lang="en-US" altLang="zh-CN" dirty="0" err="1"/>
+              <a:t>gcc</a:t>
+            </a:r>
+            <a:r>
+              <a:rPr lang="zh-CN" altLang="en-US" dirty="0"/>
+              <a:t>是</a:t>
+            </a:r>
+            <a:r>
+              <a:rPr lang="en-US" altLang="zh-CN" dirty="0"/>
+              <a:t>gnu</a:t>
+            </a:r>
+            <a:r>
+              <a:rPr lang="zh-CN" altLang="en-US" dirty="0"/>
+              <a:t>的</a:t>
+            </a:r>
+            <a:r>
+              <a:rPr lang="en-US" altLang="zh-CN" dirty="0"/>
+              <a:t>c</a:t>
+            </a:r>
+            <a:r>
+              <a:rPr lang="zh-CN" altLang="en-US" dirty="0"/>
+              <a:t>语言编译器</a:t>
+            </a:r>
+            <a:endParaRPr lang="en-US" altLang="zh-CN" dirty="0"/>
+          </a:p>
+          <a:p>
+            <a:r>
+              <a:rPr lang="zh-CN" altLang="en-US" dirty="0"/>
+              <a:t>编译过程</a:t>
+            </a:r>
+            <a:endParaRPr lang="en-US" altLang="zh-CN" dirty="0"/>
+          </a:p>
+          <a:p>
+            <a:pPr lvl="1"/>
+            <a:r>
               <a:rPr lang="zh-CN" altLang="en-US" dirty="0"/>
               <a:t>预处理：</a:t>
             </a:r>
             <a:r>
               <a:rPr lang="en-US" altLang="zh-CN" dirty="0"/>
-              <a:t>-E</a:t>
+              <a:t>#include,#define</a:t>
             </a:r>
           </a:p>
           <a:p>
             <a:pPr lvl="1"/>
             <a:r>
               <a:rPr lang="zh-CN" altLang="en-US" dirty="0"/>
-              <a:t>只激活预处理器</a:t>
+              <a:t>编译生成汇编程序</a:t>
+            </a:r>
+            <a:r>
+              <a:rPr lang="en-US" altLang="zh-CN" dirty="0"/>
+              <a:t>(.s)</a:t>
+            </a:r>
+          </a:p>
+          <a:p>
+            <a:pPr lvl="1"/>
+            <a:r>
+              <a:rPr lang="zh-CN" altLang="en-US" dirty="0"/>
+              <a:t>通过汇编程序，生成目标文件</a:t>
+            </a:r>
+            <a:r>
+              <a:rPr lang="en-US" altLang="zh-CN" dirty="0"/>
+              <a:t>(.o)</a:t>
+            </a:r>
+            <a:r>
+              <a:rPr lang="zh-CN" altLang="en-US" dirty="0"/>
+              <a:t>，目标文件并不是可执行文件</a:t>
             </a:r>
             <a:endParaRPr lang="en-US" altLang="zh-CN" dirty="0"/>
           </a:p>
@@ -6594,16 +6839,26 @@
             <a:pPr lvl="1"/>
             <a:r>
               <a:rPr lang="zh-CN" altLang="en-US" dirty="0"/>
-              <a:t>不会生成新文件，而是直接把预处理的结果打印到终端</a:t>
-            </a:r>
+              <a:t>通过连接器，把所有的目标文件链接为可执行程序</a:t>
+            </a:r>
+            <a:r>
+              <a:rPr lang="en-US" altLang="zh-CN" dirty="0"/>
+              <a:t>(</a:t>
+            </a:r>
+            <a:r>
+              <a:rPr lang="en-US" altLang="zh-CN" dirty="0" err="1"/>
+              <a:t>elf,exe</a:t>
+            </a:r>
+            <a:r>
+              <a:rPr lang="en-US" altLang="zh-CN" dirty="0"/>
+              <a:t>)</a:t>
+            </a:r>
+          </a:p>
+          <a:p>
             <a:endParaRPr lang="en-US" altLang="zh-CN" dirty="0"/>
           </a:p>
           <a:p>
-            <a:pPr lvl="1"/>
-            <a:r>
-              <a:rPr lang="zh-CN" altLang="en-US" dirty="0"/>
-              <a:t>可以把结果重定向到一个指定文件</a:t>
-            </a:r>
+            <a:endParaRPr lang="zh-CN" altLang="en-US" dirty="0"/>
           </a:p>
         </p:txBody>
       </p:sp>
@@ -6612,7 +6867,7 @@
           <p:cNvPr id="4" name="灯片编号占位符 3">
             <a:extLst>
               <a:ext uri="{FF2B5EF4-FFF2-40B4-BE49-F238E27FC236}">
-                <a16:creationId xmlns:a16="http://schemas.microsoft.com/office/drawing/2014/main" id="{64BB3AF2-EA85-A93D-5862-AFD381787224}"/>
+                <a16:creationId xmlns:a16="http://schemas.microsoft.com/office/drawing/2014/main" id="{7CA6BC58-DE92-C8F3-1617-C7E8E6A68833}"/>
               </a:ext>
             </a:extLst>
           </p:cNvPr>
@@ -6629,13 +6884,164 @@
           <a:lstStyle/>
           <a:p>
             <a:r>
-              <a:rPr lang="zh-CN" altLang="en-US"/>
+              <a:rPr lang="zh-CN" altLang="en-US" dirty="0"/>
               <a:t>计算机操作系统                     </a:t>
             </a:r>
             <a:fld id="{2109AC4C-C6B9-4211-8A17-43C623583010}" type="slidenum">
               <a:rPr lang="zh-CN" altLang="en-US" smtClean="0"/>
               <a:pPr/>
               <a:t>3</a:t>
+            </a:fld>
+            <a:endParaRPr lang="zh-CN" altLang="en-US" dirty="0"/>
+          </a:p>
+        </p:txBody>
+      </p:sp>
+    </p:spTree>
+    <p:extLst>
+      <p:ext uri="{BB962C8B-B14F-4D97-AF65-F5344CB8AC3E}">
+        <p14:creationId xmlns:p14="http://schemas.microsoft.com/office/powerpoint/2010/main" val="2709239024"/>
+      </p:ext>
+    </p:extLst>
+  </p:cSld>
+  <p:clrMapOvr>
+    <a:masterClrMapping/>
+  </p:clrMapOvr>
+</p:sld>
+</file>
+
+<file path=ppt/slides/slide4.xml><?xml version="1.0" encoding="utf-8"?>
+<p:sld xmlns:a="http://schemas.openxmlformats.org/drawingml/2006/main" xmlns:r="http://schemas.openxmlformats.org/officeDocument/2006/relationships" xmlns:p="http://schemas.openxmlformats.org/presentationml/2006/main">
+  <p:cSld>
+    <p:spTree>
+      <p:nvGrpSpPr>
+        <p:cNvPr id="1" name=""/>
+        <p:cNvGrpSpPr/>
+        <p:nvPr/>
+      </p:nvGrpSpPr>
+      <p:grpSpPr>
+        <a:xfrm>
+          <a:off x="0" y="0"/>
+          <a:ext cx="0" cy="0"/>
+          <a:chOff x="0" y="0"/>
+          <a:chExt cx="0" cy="0"/>
+        </a:xfrm>
+      </p:grpSpPr>
+      <p:sp>
+        <p:nvSpPr>
+          <p:cNvPr id="2" name="标题 1">
+            <a:extLst>
+              <a:ext uri="{FF2B5EF4-FFF2-40B4-BE49-F238E27FC236}">
+                <a16:creationId xmlns:a16="http://schemas.microsoft.com/office/drawing/2014/main" id="{20D92B73-2DAA-FC9C-5AF9-45A84CF10610}"/>
+              </a:ext>
+            </a:extLst>
+          </p:cNvPr>
+          <p:cNvSpPr>
+            <a:spLocks noGrp="1"/>
+          </p:cNvSpPr>
+          <p:nvPr>
+            <p:ph type="title"/>
+          </p:nvPr>
+        </p:nvSpPr>
+        <p:spPr/>
+        <p:txBody>
+          <a:bodyPr/>
+          <a:lstStyle/>
+          <a:p>
+            <a:r>
+              <a:rPr lang="en-US" altLang="zh-CN" dirty="0" err="1"/>
+              <a:t>gcc</a:t>
+            </a:r>
+            <a:r>
+              <a:rPr lang="zh-CN" altLang="en-US" dirty="0"/>
+              <a:t>参数</a:t>
+            </a:r>
+          </a:p>
+        </p:txBody>
+      </p:sp>
+      <p:sp>
+        <p:nvSpPr>
+          <p:cNvPr id="3" name="内容占位符 2">
+            <a:extLst>
+              <a:ext uri="{FF2B5EF4-FFF2-40B4-BE49-F238E27FC236}">
+                <a16:creationId xmlns:a16="http://schemas.microsoft.com/office/drawing/2014/main" id="{E9833C38-3410-195F-0DB0-6B40FCEE2731}"/>
+              </a:ext>
+            </a:extLst>
+          </p:cNvPr>
+          <p:cNvSpPr>
+            <a:spLocks noGrp="1"/>
+          </p:cNvSpPr>
+          <p:nvPr>
+            <p:ph idx="1"/>
+          </p:nvPr>
+        </p:nvSpPr>
+        <p:spPr/>
+        <p:txBody>
+          <a:bodyPr/>
+          <a:lstStyle/>
+          <a:p>
+            <a:r>
+              <a:rPr lang="zh-CN" altLang="en-US" dirty="0"/>
+              <a:t>预处理：</a:t>
+            </a:r>
+            <a:r>
+              <a:rPr lang="en-US" altLang="zh-CN" dirty="0"/>
+              <a:t>-E</a:t>
+            </a:r>
+          </a:p>
+          <a:p>
+            <a:pPr lvl="1"/>
+            <a:r>
+              <a:rPr lang="zh-CN" altLang="en-US" dirty="0"/>
+              <a:t>只激活预处理器</a:t>
+            </a:r>
+            <a:endParaRPr lang="en-US" altLang="zh-CN" dirty="0"/>
+          </a:p>
+          <a:p>
+            <a:pPr lvl="1"/>
+            <a:r>
+              <a:rPr lang="zh-CN" altLang="en-US" dirty="0"/>
+              <a:t>不会生成新文件，而是直接把预处理的结果打印到终端</a:t>
+            </a:r>
+            <a:endParaRPr lang="en-US" altLang="zh-CN" dirty="0"/>
+          </a:p>
+          <a:p>
+            <a:pPr lvl="1"/>
+            <a:r>
+              <a:rPr lang="zh-CN" altLang="en-US" dirty="0"/>
+              <a:t>可以把结果重定向到一个指定文件</a:t>
+            </a:r>
+          </a:p>
+        </p:txBody>
+      </p:sp>
+      <p:sp>
+        <p:nvSpPr>
+          <p:cNvPr id="4" name="灯片编号占位符 3">
+            <a:extLst>
+              <a:ext uri="{FF2B5EF4-FFF2-40B4-BE49-F238E27FC236}">
+                <a16:creationId xmlns:a16="http://schemas.microsoft.com/office/drawing/2014/main" id="{64BB3AF2-EA85-A93D-5862-AFD381787224}"/>
+              </a:ext>
+            </a:extLst>
+          </p:cNvPr>
+          <p:cNvSpPr>
+            <a:spLocks noGrp="1"/>
+          </p:cNvSpPr>
+          <p:nvPr>
+            <p:ph type="sldNum" sz="quarter" idx="12"/>
+          </p:nvPr>
+        </p:nvSpPr>
+        <p:spPr/>
+        <p:txBody>
+          <a:bodyPr/>
+          <a:lstStyle/>
+          <a:p>
+            <a:r>
+              <a:rPr lang="zh-CN" altLang="en-US"/>
+              <a:t>计算机操作系统                     </a:t>
+            </a:r>
+            <a:fld id="{2109AC4C-C6B9-4211-8A17-43C623583010}" type="slidenum">
+              <a:rPr lang="zh-CN" altLang="en-US" smtClean="0"/>
+              <a:pPr/>
+              <a:t>4</a:t>
             </a:fld>
             <a:endParaRPr lang="zh-CN" altLang="en-US" dirty="0"/>
           </a:p>
@@ -6714,7 +7120,7 @@
 </p:sld>
 </file>
 
-<file path=ppt/slides/slide4.xml><?xml version="1.0" encoding="utf-8"?>
+<file path=ppt/slides/slide5.xml><?xml version="1.0" encoding="utf-8"?>
 <p:sld xmlns:a="http://schemas.openxmlformats.org/drawingml/2006/main" xmlns:r="http://schemas.openxmlformats.org/officeDocument/2006/relationships" xmlns:p="http://schemas.openxmlformats.org/presentationml/2006/main">
   <p:cSld>
     <p:spTree>
@@ -6840,7 +7246,7 @@
             <a:fld id="{2109AC4C-C6B9-4211-8A17-43C623583010}" type="slidenum">
               <a:rPr lang="zh-CN" altLang="en-US" smtClean="0"/>
               <a:pPr/>
-              <a:t>4</a:t>
+              <a:t>5</a:t>
             </a:fld>
             <a:endParaRPr lang="zh-CN" altLang="en-US" dirty="0"/>
           </a:p>
@@ -6919,7 +7325,7 @@
 </p:sld>
 </file>
 
-<file path=ppt/slides/slide5.xml><?xml version="1.0" encoding="utf-8"?>
+<file path=ppt/slides/slide6.xml><?xml version="1.0" encoding="utf-8"?>
 <p:sld xmlns:a="http://schemas.openxmlformats.org/drawingml/2006/main" xmlns:r="http://schemas.openxmlformats.org/officeDocument/2006/relationships" xmlns:p="http://schemas.openxmlformats.org/presentationml/2006/main">
   <p:cSld>
     <p:spTree>
@@ -7050,7 +7456,7 @@
             <a:fld id="{2109AC4C-C6B9-4211-8A17-43C623583010}" type="slidenum">
               <a:rPr lang="zh-CN" altLang="en-US" smtClean="0"/>
               <a:pPr/>
-              <a:t>5</a:t>
+              <a:t>6</a:t>
             </a:fld>
             <a:endParaRPr lang="zh-CN" altLang="en-US" dirty="0"/>
           </a:p>
@@ -7129,7 +7535,7 @@
 </p:sld>
 </file>
 
-<file path=ppt/slides/slide6.xml><?xml version="1.0" encoding="utf-8"?>
+<file path=ppt/slides/slide7.xml><?xml version="1.0" encoding="utf-8"?>
 <p:sld xmlns:a="http://schemas.openxmlformats.org/drawingml/2006/main" xmlns:r="http://schemas.openxmlformats.org/officeDocument/2006/relationships" xmlns:p="http://schemas.openxmlformats.org/presentationml/2006/main">
   <p:cSld>
     <p:spTree>
@@ -7291,7 +7697,7 @@
             <a:fld id="{2109AC4C-C6B9-4211-8A17-43C623583010}" type="slidenum">
               <a:rPr lang="zh-CN" altLang="en-US" smtClean="0"/>
               <a:pPr/>
-              <a:t>6</a:t>
+              <a:t>7</a:t>
             </a:fld>
             <a:endParaRPr lang="zh-CN" altLang="en-US" dirty="0"/>
           </a:p>
@@ -7340,7 +7746,7 @@
 </p:sld>
 </file>
 
-<file path=ppt/slides/slide7.xml><?xml version="1.0" encoding="utf-8"?>
+<file path=ppt/slides/slide8.xml><?xml version="1.0" encoding="utf-8"?>
 <p:sld xmlns:a="http://schemas.openxmlformats.org/drawingml/2006/main" xmlns:r="http://schemas.openxmlformats.org/officeDocument/2006/relationships" xmlns:p="http://schemas.openxmlformats.org/presentationml/2006/main">
   <p:cSld>
     <p:spTree>
@@ -7458,7 +7864,7 @@
             <a:fld id="{2109AC4C-C6B9-4211-8A17-43C623583010}" type="slidenum">
               <a:rPr lang="zh-CN" altLang="en-US" smtClean="0"/>
               <a:pPr/>
-              <a:t>7</a:t>
+              <a:t>8</a:t>
             </a:fld>
             <a:endParaRPr lang="zh-CN" altLang="en-US" dirty="0"/>
           </a:p>
@@ -7507,7 +7913,7 @@
 </p:sld>
 </file>
 
-<file path=ppt/slides/slide8.xml><?xml version="1.0" encoding="utf-8"?>
+<file path=ppt/slides/slide9.xml><?xml version="1.0" encoding="utf-8"?>
 <p:sld xmlns:a="http://schemas.openxmlformats.org/drawingml/2006/main" xmlns:r="http://schemas.openxmlformats.org/officeDocument/2006/relationships" xmlns:p="http://schemas.openxmlformats.org/presentationml/2006/main">
   <p:cSld>
     <p:spTree>
@@ -7674,7 +8080,7 @@
             <a:fld id="{2109AC4C-C6B9-4211-8A17-43C623583010}" type="slidenum">
               <a:rPr lang="zh-CN" altLang="en-US" smtClean="0"/>
               <a:pPr/>
-              <a:t>8</a:t>
+              <a:t>9</a:t>
             </a:fld>
             <a:endParaRPr lang="zh-CN" altLang="en-US" dirty="0"/>
           </a:p>
@@ -7714,230 +8120,6 @@
     <p:extLst>
       <p:ext uri="{BB962C8B-B14F-4D97-AF65-F5344CB8AC3E}">
         <p14:creationId xmlns:p14="http://schemas.microsoft.com/office/powerpoint/2010/main" val="3511625658"/>
-      </p:ext>
-    </p:extLst>
-  </p:cSld>
-  <p:clrMapOvr>
-    <a:masterClrMapping/>
-  </p:clrMapOvr>
-</p:sld>
-</file>
-
-<file path=ppt/slides/slide9.xml><?xml version="1.0" encoding="utf-8"?>
-<p:sld xmlns:a="http://schemas.openxmlformats.org/drawingml/2006/main" xmlns:r="http://schemas.openxmlformats.org/officeDocument/2006/relationships" xmlns:p="http://schemas.openxmlformats.org/presentationml/2006/main">
-  <p:cSld>
-    <p:spTree>
-      <p:nvGrpSpPr>
-        <p:cNvPr id="1" name=""/>
-        <p:cNvGrpSpPr/>
-        <p:nvPr/>
-      </p:nvGrpSpPr>
-      <p:grpSpPr>
-        <a:xfrm>
-          <a:off x="0" y="0"/>
-          <a:ext cx="0" cy="0"/>
-          <a:chOff x="0" y="0"/>
-          <a:chExt cx="0" cy="0"/>
-        </a:xfrm>
-      </p:grpSpPr>
-      <p:sp>
-        <p:nvSpPr>
-          <p:cNvPr id="2" name="标题 1">
-            <a:extLst>
-              <a:ext uri="{FF2B5EF4-FFF2-40B4-BE49-F238E27FC236}">
-                <a16:creationId xmlns:a16="http://schemas.microsoft.com/office/drawing/2014/main" id="{E362B23A-B1E6-3A10-8875-D5B817A603F7}"/>
-              </a:ext>
-            </a:extLst>
-          </p:cNvPr>
-          <p:cNvSpPr>
-            <a:spLocks noGrp="1"/>
-          </p:cNvSpPr>
-          <p:nvPr>
-            <p:ph type="title"/>
-          </p:nvPr>
-        </p:nvSpPr>
-        <p:spPr/>
-        <p:txBody>
-          <a:bodyPr/>
-          <a:lstStyle/>
-          <a:p>
-            <a:r>
-              <a:rPr lang="en-US" altLang="zh-CN" dirty="0" err="1"/>
-              <a:t>gcc</a:t>
-            </a:r>
-            <a:r>
-              <a:rPr lang="zh-CN" altLang="en-US" dirty="0"/>
-              <a:t>参数</a:t>
-            </a:r>
-          </a:p>
-        </p:txBody>
-      </p:sp>
-      <p:sp>
-        <p:nvSpPr>
-          <p:cNvPr id="3" name="内容占位符 2">
-            <a:extLst>
-              <a:ext uri="{FF2B5EF4-FFF2-40B4-BE49-F238E27FC236}">
-                <a16:creationId xmlns:a16="http://schemas.microsoft.com/office/drawing/2014/main" id="{F9385E7E-3470-6714-0BE0-17474853747C}"/>
-              </a:ext>
-            </a:extLst>
-          </p:cNvPr>
-          <p:cNvSpPr>
-            <a:spLocks noGrp="1"/>
-          </p:cNvSpPr>
-          <p:nvPr>
-            <p:ph idx="1"/>
-          </p:nvPr>
-        </p:nvSpPr>
-        <p:spPr/>
-        <p:txBody>
-          <a:bodyPr/>
-          <a:lstStyle/>
-          <a:p>
-            <a:r>
-              <a:rPr lang="zh-CN" altLang="en-US" dirty="0"/>
-              <a:t>指定头文件目录：</a:t>
-            </a:r>
-            <a:r>
-              <a:rPr lang="en-US" altLang="zh-CN" dirty="0"/>
-              <a:t>-I</a:t>
-            </a:r>
-          </a:p>
-          <a:p>
-            <a:endParaRPr lang="en-US" altLang="zh-CN" dirty="0"/>
-          </a:p>
-          <a:p>
-            <a:endParaRPr lang="en-US" altLang="zh-CN" dirty="0"/>
-          </a:p>
-          <a:p>
-            <a:endParaRPr lang="en-US" altLang="zh-CN" dirty="0"/>
-          </a:p>
-          <a:p>
-            <a:r>
-              <a:rPr lang="zh-CN" altLang="en-US" dirty="0"/>
-              <a:t>直接指定包含的头文件</a:t>
-            </a:r>
-            <a:endParaRPr lang="en-US" altLang="zh-CN" dirty="0"/>
-          </a:p>
-          <a:p>
-            <a:pPr lvl="1"/>
-            <a:r>
-              <a:rPr lang="zh-CN" altLang="en-US" dirty="0"/>
-              <a:t>以下命令相当于在源文件头部用</a:t>
-            </a:r>
-            <a:r>
-              <a:rPr lang="en-US" altLang="zh-CN" dirty="0"/>
-              <a:t>#include “</a:t>
-            </a:r>
-            <a:r>
-              <a:rPr lang="en-US" altLang="zh-CN" dirty="0" err="1"/>
-              <a:t>my_head.h</a:t>
-            </a:r>
-            <a:r>
-              <a:rPr lang="en-US" altLang="zh-CN" dirty="0"/>
-              <a:t>”</a:t>
-            </a:r>
-            <a:endParaRPr lang="zh-CN" altLang="en-US" dirty="0"/>
-          </a:p>
-        </p:txBody>
-      </p:sp>
-      <p:sp>
-        <p:nvSpPr>
-          <p:cNvPr id="4" name="灯片编号占位符 3">
-            <a:extLst>
-              <a:ext uri="{FF2B5EF4-FFF2-40B4-BE49-F238E27FC236}">
-                <a16:creationId xmlns:a16="http://schemas.microsoft.com/office/drawing/2014/main" id="{01EE5E0B-7003-53D0-DCF4-22906B860D86}"/>
-              </a:ext>
-            </a:extLst>
-          </p:cNvPr>
-          <p:cNvSpPr>
-            <a:spLocks noGrp="1"/>
-          </p:cNvSpPr>
-          <p:nvPr>
-            <p:ph type="sldNum" sz="quarter" idx="12"/>
-          </p:nvPr>
-        </p:nvSpPr>
-        <p:spPr/>
-        <p:txBody>
-          <a:bodyPr/>
-          <a:lstStyle/>
-          <a:p>
-            <a:r>
-              <a:rPr lang="zh-CN" altLang="en-US"/>
-              <a:t>计算机操作系统                     </a:t>
-            </a:r>
-            <a:fld id="{2109AC4C-C6B9-4211-8A17-43C623583010}" type="slidenum">
-              <a:rPr lang="zh-CN" altLang="en-US" smtClean="0"/>
-              <a:pPr/>
-              <a:t>9</a:t>
-            </a:fld>
-            <a:endParaRPr lang="zh-CN" altLang="en-US" dirty="0"/>
-          </a:p>
-        </p:txBody>
-      </p:sp>
-      <p:pic>
-        <p:nvPicPr>
-          <p:cNvPr id="6" name="图片 5">
-            <a:extLst>
-              <a:ext uri="{FF2B5EF4-FFF2-40B4-BE49-F238E27FC236}">
-                <a16:creationId xmlns:a16="http://schemas.microsoft.com/office/drawing/2014/main" id="{674ABE33-A713-00AB-ABF5-D406FC5B4D4F}"/>
-              </a:ext>
-            </a:extLst>
-          </p:cNvPr>
-          <p:cNvPicPr>
-            <a:picLocks noChangeAspect="1"/>
-          </p:cNvPicPr>
-          <p:nvPr/>
-        </p:nvPicPr>
-        <p:blipFill>
-          <a:blip r:embed="rId2"/>
-          <a:stretch>
-            <a:fillRect/>
-          </a:stretch>
-        </p:blipFill>
-        <p:spPr>
-          <a:xfrm>
-            <a:off x="445062" y="1571619"/>
-            <a:ext cx="8520913" cy="1612171"/>
-          </a:xfrm>
-          <a:prstGeom prst="rect">
-            <a:avLst/>
-          </a:prstGeom>
-        </p:spPr>
-      </p:pic>
-      <p:pic>
-        <p:nvPicPr>
-          <p:cNvPr id="8" name="图片 7">
-            <a:extLst>
-              <a:ext uri="{FF2B5EF4-FFF2-40B4-BE49-F238E27FC236}">
-                <a16:creationId xmlns:a16="http://schemas.microsoft.com/office/drawing/2014/main" id="{32505E61-7590-CA81-9F86-AF6E9E2EC10E}"/>
-              </a:ext>
-            </a:extLst>
-          </p:cNvPr>
-          <p:cNvPicPr>
-            <a:picLocks noChangeAspect="1"/>
-          </p:cNvPicPr>
-          <p:nvPr/>
-        </p:nvPicPr>
-        <p:blipFill>
-          <a:blip r:embed="rId3"/>
-          <a:stretch>
-            <a:fillRect/>
-          </a:stretch>
-        </p:blipFill>
-        <p:spPr>
-          <a:xfrm>
-            <a:off x="445062" y="4520601"/>
-            <a:ext cx="9594457" cy="2147063"/>
-          </a:xfrm>
-          <a:prstGeom prst="rect">
-            <a:avLst/>
-          </a:prstGeom>
-        </p:spPr>
-      </p:pic>
-    </p:spTree>
-    <p:extLst>
-      <p:ext uri="{BB962C8B-B14F-4D97-AF65-F5344CB8AC3E}">
-        <p14:creationId xmlns:p14="http://schemas.microsoft.com/office/powerpoint/2010/main" val="1347515310"/>
       </p:ext>
     </p:extLst>
   </p:cSld>
